--- a/Sesión_4/Sistemas de primer orden Discretos.pptx
+++ b/Sesión_4/Sistemas de primer orden Discretos.pptx
@@ -485,29 +485,28 @@
   </pc:docChgLst>
   <pc:docChgLst>
     <pc:chgData name="JHEYSON FABIAN VILLAVISAN BUITRAGO" userId="e5ced5c2-d787-455d-b115-4f08a699b8c8" providerId="ADAL" clId="{90CFA0F2-1824-420F-864E-84C9E1813788}"/>
-    <pc:docChg chg="delSld modSection">
-      <pc:chgData name="JHEYSON FABIAN VILLAVISAN BUITRAGO" userId="e5ced5c2-d787-455d-b115-4f08a699b8c8" providerId="ADAL" clId="{90CFA0F2-1824-420F-864E-84C9E1813788}" dt="2025-01-03T20:04:23.876" v="0" actId="47"/>
-      <pc:docMkLst>
-        <pc:docMk/>
-      </pc:docMkLst>
-      <pc:sldChg chg="del">
-        <pc:chgData name="JHEYSON FABIAN VILLAVISAN BUITRAGO" userId="e5ced5c2-d787-455d-b115-4f08a699b8c8" providerId="ADAL" clId="{90CFA0F2-1824-420F-864E-84C9E1813788}" dt="2025-01-03T20:04:23.876" v="0" actId="47"/>
-        <pc:sldMkLst>
-          <pc:docMk/>
-          <pc:sldMk cId="2742532383" sldId="283"/>
-        </pc:sldMkLst>
-      </pc:sldChg>
-    </pc:docChg>
-  </pc:docChgLst>
-  <pc:docChgLst>
-    <pc:chgData name="JHEYSON FABIAN VILLAVISAN BUITRAGO" userId="e5ced5c2-d787-455d-b115-4f08a699b8c8" providerId="ADAL" clId="{D6836A07-2EFC-4BDE-B2E7-B55EA7D4E992}"/>
-    <pc:docChg chg="modSld">
-      <pc:chgData name="JHEYSON FABIAN VILLAVISAN BUITRAGO" userId="e5ced5c2-d787-455d-b115-4f08a699b8c8" providerId="ADAL" clId="{D6836A07-2EFC-4BDE-B2E7-B55EA7D4E992}" dt="2024-10-30T00:44:55.742" v="1" actId="1076"/>
+    <pc:docChg chg="delSld modSld modSection">
+      <pc:chgData name="JHEYSON FABIAN VILLAVISAN BUITRAGO" userId="e5ced5c2-d787-455d-b115-4f08a699b8c8" providerId="ADAL" clId="{90CFA0F2-1824-420F-864E-84C9E1813788}" dt="2025-01-13T15:48:03.928" v="9" actId="20577"/>
       <pc:docMkLst>
         <pc:docMk/>
       </pc:docMkLst>
       <pc:sldChg chg="modSp mod">
-        <pc:chgData name="JHEYSON FABIAN VILLAVISAN BUITRAGO" userId="e5ced5c2-d787-455d-b115-4f08a699b8c8" providerId="ADAL" clId="{D6836A07-2EFC-4BDE-B2E7-B55EA7D4E992}" dt="2024-10-30T00:44:55.742" v="1" actId="1076"/>
+        <pc:chgData name="JHEYSON FABIAN VILLAVISAN BUITRAGO" userId="e5ced5c2-d787-455d-b115-4f08a699b8c8" providerId="ADAL" clId="{90CFA0F2-1824-420F-864E-84C9E1813788}" dt="2025-01-13T15:48:03.928" v="9" actId="20577"/>
+        <pc:sldMkLst>
+          <pc:docMk/>
+          <pc:sldMk cId="3289317891" sldId="277"/>
+        </pc:sldMkLst>
+        <pc:spChg chg="mod">
+          <ac:chgData name="JHEYSON FABIAN VILLAVISAN BUITRAGO" userId="e5ced5c2-d787-455d-b115-4f08a699b8c8" providerId="ADAL" clId="{90CFA0F2-1824-420F-864E-84C9E1813788}" dt="2025-01-13T15:48:03.928" v="9" actId="20577"/>
+          <ac:spMkLst>
+            <pc:docMk/>
+            <pc:sldMk cId="3289317891" sldId="277"/>
+            <ac:spMk id="16" creationId="{61C30305-C78C-F687-635F-1E0E3726D49F}"/>
+          </ac:spMkLst>
+        </pc:spChg>
+      </pc:sldChg>
+      <pc:sldChg chg="del">
+        <pc:chgData name="JHEYSON FABIAN VILLAVISAN BUITRAGO" userId="e5ced5c2-d787-455d-b115-4f08a699b8c8" providerId="ADAL" clId="{90CFA0F2-1824-420F-864E-84C9E1813788}" dt="2025-01-03T20:04:23.876" v="0" actId="47"/>
         <pc:sldMkLst>
           <pc:docMk/>
           <pc:sldMk cId="2742532383" sldId="283"/>
@@ -527,6 +526,22 @@
         <pc:sldMkLst>
           <pc:docMk/>
           <pc:sldMk cId="4032729821" sldId="280"/>
+        </pc:sldMkLst>
+      </pc:sldChg>
+    </pc:docChg>
+  </pc:docChgLst>
+  <pc:docChgLst>
+    <pc:chgData name="JHEYSON FABIAN VILLAVISAN BUITRAGO" userId="e5ced5c2-d787-455d-b115-4f08a699b8c8" providerId="ADAL" clId="{D6836A07-2EFC-4BDE-B2E7-B55EA7D4E992}"/>
+    <pc:docChg chg="modSld">
+      <pc:chgData name="JHEYSON FABIAN VILLAVISAN BUITRAGO" userId="e5ced5c2-d787-455d-b115-4f08a699b8c8" providerId="ADAL" clId="{D6836A07-2EFC-4BDE-B2E7-B55EA7D4E992}" dt="2024-10-30T00:44:55.742" v="1" actId="1076"/>
+      <pc:docMkLst>
+        <pc:docMk/>
+      </pc:docMkLst>
+      <pc:sldChg chg="modSp mod">
+        <pc:chgData name="JHEYSON FABIAN VILLAVISAN BUITRAGO" userId="e5ced5c2-d787-455d-b115-4f08a699b8c8" providerId="ADAL" clId="{D6836A07-2EFC-4BDE-B2E7-B55EA7D4E992}" dt="2024-10-30T00:44:55.742" v="1" actId="1076"/>
+        <pc:sldMkLst>
+          <pc:docMk/>
+          <pc:sldMk cId="2742532383" sldId="283"/>
         </pc:sldMkLst>
       </pc:sldChg>
     </pc:docChg>
@@ -834,6 +849,38 @@
     </pc:docChg>
   </pc:docChgLst>
   <pc:docChgLst>
+    <pc:chgData name="JOSE LUIS MOLINA HURTADO" userId="S::jlmolinah@itc.edu.co::49a08a1d-5532-4a35-83ed-1e7d9f809e42" providerId="AD" clId="Web-{1B2AF47B-E950-AC88-9DD6-100D55C34CCB}"/>
+    <pc:docChg chg="modSld">
+      <pc:chgData name="JOSE LUIS MOLINA HURTADO" userId="S::jlmolinah@itc.edu.co::49a08a1d-5532-4a35-83ed-1e7d9f809e42" providerId="AD" clId="Web-{1B2AF47B-E950-AC88-9DD6-100D55C34CCB}" dt="2024-04-21T15:55:16.990" v="3" actId="1076"/>
+      <pc:docMkLst>
+        <pc:docMk/>
+      </pc:docMkLst>
+      <pc:sldChg chg="modSp">
+        <pc:chgData name="JOSE LUIS MOLINA HURTADO" userId="S::jlmolinah@itc.edu.co::49a08a1d-5532-4a35-83ed-1e7d9f809e42" providerId="AD" clId="Web-{1B2AF47B-E950-AC88-9DD6-100D55C34CCB}" dt="2024-04-21T15:55:16.990" v="3" actId="1076"/>
+        <pc:sldMkLst>
+          <pc:docMk/>
+          <pc:sldMk cId="2152738375" sldId="279"/>
+        </pc:sldMkLst>
+      </pc:sldChg>
+    </pc:docChg>
+  </pc:docChgLst>
+  <pc:docChgLst>
+    <pc:chgData name="FABIAN PALACIO ARANGO" userId="S::fpalacioa@itc.edu.co::0e2bfb71-32b6-4edd-85c7-a9cbf704e9d1" providerId="AD" clId="Web-{A064BA7A-4750-80C7-7B25-01F0CE7F2166}"/>
+    <pc:docChg chg="sldOrd">
+      <pc:chgData name="FABIAN PALACIO ARANGO" userId="S::fpalacioa@itc.edu.co::0e2bfb71-32b6-4edd-85c7-a9cbf704e9d1" providerId="AD" clId="Web-{A064BA7A-4750-80C7-7B25-01F0CE7F2166}" dt="2023-09-05T13:18:47.721" v="0"/>
+      <pc:docMkLst>
+        <pc:docMk/>
+      </pc:docMkLst>
+      <pc:sldChg chg="ord">
+        <pc:chgData name="FABIAN PALACIO ARANGO" userId="S::fpalacioa@itc.edu.co::0e2bfb71-32b6-4edd-85c7-a9cbf704e9d1" providerId="AD" clId="Web-{A064BA7A-4750-80C7-7B25-01F0CE7F2166}" dt="2023-09-05T13:18:47.721" v="0"/>
+        <pc:sldMkLst>
+          <pc:docMk/>
+          <pc:sldMk cId="3709177429" sldId="274"/>
+        </pc:sldMkLst>
+      </pc:sldChg>
+    </pc:docChg>
+  </pc:docChgLst>
+  <pc:docChgLst>
     <pc:chgData name="Jheyson Fabian Villavisan Buitrago" userId="b9abc243-2adc-4788-8ef1-b07bec73deff" providerId="ADAL" clId="{33DDCE01-D5A0-4892-8419-FF73BDBED2B5}"/>
     <pc:docChg chg="undo custSel addSld delSld modSld modMainMaster modSection">
       <pc:chgData name="Jheyson Fabian Villavisan Buitrago" userId="b9abc243-2adc-4788-8ef1-b07bec73deff" providerId="ADAL" clId="{33DDCE01-D5A0-4892-8419-FF73BDBED2B5}" dt="2023-02-12T23:52:00.525" v="841" actId="47"/>
@@ -977,38 +1024,6 @@
       </pc:sldMasterChg>
     </pc:docChg>
   </pc:docChgLst>
-  <pc:docChgLst>
-    <pc:chgData name="FABIAN PALACIO ARANGO" userId="S::fpalacioa@itc.edu.co::0e2bfb71-32b6-4edd-85c7-a9cbf704e9d1" providerId="AD" clId="Web-{A064BA7A-4750-80C7-7B25-01F0CE7F2166}"/>
-    <pc:docChg chg="sldOrd">
-      <pc:chgData name="FABIAN PALACIO ARANGO" userId="S::fpalacioa@itc.edu.co::0e2bfb71-32b6-4edd-85c7-a9cbf704e9d1" providerId="AD" clId="Web-{A064BA7A-4750-80C7-7B25-01F0CE7F2166}" dt="2023-09-05T13:18:47.721" v="0"/>
-      <pc:docMkLst>
-        <pc:docMk/>
-      </pc:docMkLst>
-      <pc:sldChg chg="ord">
-        <pc:chgData name="FABIAN PALACIO ARANGO" userId="S::fpalacioa@itc.edu.co::0e2bfb71-32b6-4edd-85c7-a9cbf704e9d1" providerId="AD" clId="Web-{A064BA7A-4750-80C7-7B25-01F0CE7F2166}" dt="2023-09-05T13:18:47.721" v="0"/>
-        <pc:sldMkLst>
-          <pc:docMk/>
-          <pc:sldMk cId="3709177429" sldId="274"/>
-        </pc:sldMkLst>
-      </pc:sldChg>
-    </pc:docChg>
-  </pc:docChgLst>
-  <pc:docChgLst>
-    <pc:chgData name="JOSE LUIS MOLINA HURTADO" userId="S::jlmolinah@itc.edu.co::49a08a1d-5532-4a35-83ed-1e7d9f809e42" providerId="AD" clId="Web-{1B2AF47B-E950-AC88-9DD6-100D55C34CCB}"/>
-    <pc:docChg chg="modSld">
-      <pc:chgData name="JOSE LUIS MOLINA HURTADO" userId="S::jlmolinah@itc.edu.co::49a08a1d-5532-4a35-83ed-1e7d9f809e42" providerId="AD" clId="Web-{1B2AF47B-E950-AC88-9DD6-100D55C34CCB}" dt="2024-04-21T15:55:16.990" v="3" actId="1076"/>
-      <pc:docMkLst>
-        <pc:docMk/>
-      </pc:docMkLst>
-      <pc:sldChg chg="modSp">
-        <pc:chgData name="JOSE LUIS MOLINA HURTADO" userId="S::jlmolinah@itc.edu.co::49a08a1d-5532-4a35-83ed-1e7d9f809e42" providerId="AD" clId="Web-{1B2AF47B-E950-AC88-9DD6-100D55C34CCB}" dt="2024-04-21T15:55:16.990" v="3" actId="1076"/>
-        <pc:sldMkLst>
-          <pc:docMk/>
-          <pc:sldMk cId="2152738375" sldId="279"/>
-        </pc:sldMkLst>
-      </pc:sldChg>
-    </pc:docChg>
-  </pc:docChgLst>
 </pc:chgInfo>
 </file>
 
@@ -1136,7 +1151,7 @@
               <a:pPr>
                 <a:defRPr/>
               </a:pPr>
-              <a:t>3/01/2025</a:t>
+              <a:t>13/01/2025</a:t>
             </a:fld>
             <a:endParaRPr lang="es-CO"/>
           </a:p>
@@ -1379,7 +1394,7 @@
               <a:pPr>
                 <a:defRPr/>
               </a:pPr>
-              <a:t>3/01/2025</a:t>
+              <a:t>13/01/2025</a:t>
             </a:fld>
             <a:endParaRPr lang="es-CO"/>
           </a:p>
@@ -5007,7 +5022,7 @@
           <a:p>
             <a:fld id="{9CF7635E-2D71-42E7-9E6C-FBB85A15A85F}" type="datetimeFigureOut">
               <a:rPr lang="es-CO" smtClean="0"/>
-              <a:t>3/01/2025</a:t>
+              <a:t>13/01/2025</a:t>
             </a:fld>
             <a:endParaRPr lang="es-CO"/>
           </a:p>
@@ -5273,7 +5288,7 @@
           <a:p>
             <a:fld id="{9CF7635E-2D71-42E7-9E6C-FBB85A15A85F}" type="datetimeFigureOut">
               <a:rPr lang="es-CO" smtClean="0"/>
-              <a:t>3/01/2025</a:t>
+              <a:t>13/01/2025</a:t>
             </a:fld>
             <a:endParaRPr lang="es-CO"/>
           </a:p>
@@ -5489,7 +5504,7 @@
           <a:p>
             <a:fld id="{9CF7635E-2D71-42E7-9E6C-FBB85A15A85F}" type="datetimeFigureOut">
               <a:rPr lang="es-CO" smtClean="0"/>
-              <a:t>3/01/2025</a:t>
+              <a:t>13/01/2025</a:t>
             </a:fld>
             <a:endParaRPr lang="es-CO"/>
           </a:p>
@@ -7118,7 +7133,7 @@
           <a:p>
             <a:fld id="{9CF7635E-2D71-42E7-9E6C-FBB85A15A85F}" type="datetimeFigureOut">
               <a:rPr lang="es-CO" smtClean="0"/>
-              <a:t>3/01/2025</a:t>
+              <a:t>13/01/2025</a:t>
             </a:fld>
             <a:endParaRPr lang="es-CO"/>
           </a:p>
@@ -7565,7 +7580,7 @@
           <a:p>
             <a:fld id="{9CF7635E-2D71-42E7-9E6C-FBB85A15A85F}" type="datetimeFigureOut">
               <a:rPr lang="es-CO" smtClean="0"/>
-              <a:t>3/01/2025</a:t>
+              <a:t>13/01/2025</a:t>
             </a:fld>
             <a:endParaRPr lang="es-CO"/>
           </a:p>
@@ -7839,7 +7854,7 @@
           <a:p>
             <a:fld id="{9CF7635E-2D71-42E7-9E6C-FBB85A15A85F}" type="datetimeFigureOut">
               <a:rPr lang="es-CO" smtClean="0"/>
-              <a:t>3/01/2025</a:t>
+              <a:t>13/01/2025</a:t>
             </a:fld>
             <a:endParaRPr lang="es-CO"/>
           </a:p>
@@ -8260,7 +8275,7 @@
           <a:p>
             <a:fld id="{9CF7635E-2D71-42E7-9E6C-FBB85A15A85F}" type="datetimeFigureOut">
               <a:rPr lang="es-CO" smtClean="0"/>
-              <a:t>3/01/2025</a:t>
+              <a:t>13/01/2025</a:t>
             </a:fld>
             <a:endParaRPr lang="es-CO"/>
           </a:p>
@@ -8408,7 +8423,7 @@
           <a:p>
             <a:fld id="{9CF7635E-2D71-42E7-9E6C-FBB85A15A85F}" type="datetimeFigureOut">
               <a:rPr lang="es-CO" smtClean="0"/>
-              <a:t>3/01/2025</a:t>
+              <a:t>13/01/2025</a:t>
             </a:fld>
             <a:endParaRPr lang="es-CO"/>
           </a:p>
@@ -8527,7 +8542,7 @@
           <a:p>
             <a:fld id="{9CF7635E-2D71-42E7-9E6C-FBB85A15A85F}" type="datetimeFigureOut">
               <a:rPr lang="es-CO" smtClean="0"/>
-              <a:t>3/01/2025</a:t>
+              <a:t>13/01/2025</a:t>
             </a:fld>
             <a:endParaRPr lang="es-CO"/>
           </a:p>
@@ -8846,7 +8861,7 @@
           <a:p>
             <a:fld id="{9CF7635E-2D71-42E7-9E6C-FBB85A15A85F}" type="datetimeFigureOut">
               <a:rPr lang="es-CO" smtClean="0"/>
-              <a:t>3/01/2025</a:t>
+              <a:t>13/01/2025</a:t>
             </a:fld>
             <a:endParaRPr lang="es-CO"/>
           </a:p>
@@ -9141,7 +9156,7 @@
           <a:p>
             <a:fld id="{9CF7635E-2D71-42E7-9E6C-FBB85A15A85F}" type="datetimeFigureOut">
               <a:rPr lang="es-CO" smtClean="0"/>
-              <a:t>3/01/2025</a:t>
+              <a:t>13/01/2025</a:t>
             </a:fld>
             <a:endParaRPr lang="es-CO"/>
           </a:p>
@@ -9390,7 +9405,7 @@
           <a:p>
             <a:fld id="{9CF7635E-2D71-42E7-9E6C-FBB85A15A85F}" type="datetimeFigureOut">
               <a:rPr lang="es-CO" smtClean="0"/>
-              <a:t>3/01/2025</a:t>
+              <a:t>13/01/2025</a:t>
             </a:fld>
             <a:endParaRPr lang="es-CO"/>
           </a:p>
@@ -19258,7 +19273,7 @@
             <a:pPr algn="ctr"/>
             <a:r>
               <a:rPr lang="es-CO" b="1" dirty="0"/>
-              <a:t>BONO 1</a:t>
+              <a:t>Ejercicio 1</a:t>
             </a:r>
           </a:p>
         </p:txBody>
@@ -19304,16 +19319,12 @@
             </a:r>
           </a:p>
           <a:p>
-            <a:endParaRPr lang="en-US"/>
-          </a:p>
-          <a:p>
-            <a:r>
-              <a:rPr lang="en-US"/>
-              <a:t>Y</a:t>
-            </a:r>
+            <a:endParaRPr lang="en-US" dirty="0"/>
+          </a:p>
+          <a:p>
             <a:r>
               <a:rPr lang="en-US" dirty="0"/>
-              <a:t>(t=0)=0</a:t>
+              <a:t>Y(t=0)=0</a:t>
             </a:r>
           </a:p>
           <a:p>
@@ -23142,15 +23153,6 @@
 </file>
 
 <file path=customXml/item2.xml><?xml version="1.0" encoding="utf-8"?>
-<?mso-contentType ?>
-<FormTemplates xmlns="http://schemas.microsoft.com/sharepoint/v3/contenttype/forms">
-  <Display>DocumentLibraryForm</Display>
-  <Edit>DocumentLibraryForm</Edit>
-  <New>DocumentLibraryForm</New>
-</FormTemplates>
-</file>
-
-<file path=customXml/item3.xml><?xml version="1.0" encoding="utf-8"?>
 <ct:contentTypeSchema xmlns:ct="http://schemas.microsoft.com/office/2006/metadata/contentType" xmlns:ma="http://schemas.microsoft.com/office/2006/metadata/properties/metaAttributes" ct:_="" ma:_="" ma:contentTypeName="Documento" ma:contentTypeID="0x0101007A62137D465CE64A8C883A4664514BF8" ma:contentTypeVersion="15" ma:contentTypeDescription="Crear nuevo documento." ma:contentTypeScope="" ma:versionID="a1bd1d59f691eb9bca6952b111268275">
   <xsd:schema xmlns:xsd="http://www.w3.org/2001/XMLSchema" xmlns:xs="http://www.w3.org/2001/XMLSchema" xmlns:p="http://schemas.microsoft.com/office/2006/metadata/properties" xmlns:ns3="669280c1-d17e-4d1d-bd7f-b4f14cc6bf1d" xmlns:ns4="bdc56f61-abc0-4f7e-bfec-a93ccd1ae886" targetNamespace="http://schemas.microsoft.com/office/2006/metadata/properties" ma:root="true" ma:fieldsID="d02990a02f19f0f9fc7b999b1809cae4" ns3:_="" ns4:_="">
     <xsd:import namespace="669280c1-d17e-4d1d-bd7f-b4f14cc6bf1d"/>
@@ -23385,6 +23387,15 @@
 </ct:contentTypeSchema>
 </file>
 
+<file path=customXml/item3.xml><?xml version="1.0" encoding="utf-8"?>
+<?mso-contentType ?>
+<FormTemplates xmlns="http://schemas.microsoft.com/sharepoint/v3/contenttype/forms">
+  <Display>DocumentLibraryForm</Display>
+  <Edit>DocumentLibraryForm</Edit>
+  <New>DocumentLibraryForm</New>
+</FormTemplates>
+</file>
+
 <file path=customXml/itemProps1.xml><?xml version="1.0" encoding="utf-8"?>
 <ds:datastoreItem xmlns:ds="http://schemas.openxmlformats.org/officeDocument/2006/customXml" ds:itemID="{0825853C-1B27-4995-A583-4D39F900BB7F}">
   <ds:schemaRefs>
@@ -23403,14 +23414,6 @@
 </file>
 
 <file path=customXml/itemProps2.xml><?xml version="1.0" encoding="utf-8"?>
-<ds:datastoreItem xmlns:ds="http://schemas.openxmlformats.org/officeDocument/2006/customXml" ds:itemID="{4E8623C8-32E1-48B0-9F0A-13F2E9582B7E}">
-  <ds:schemaRefs>
-    <ds:schemaRef ds:uri="http://schemas.microsoft.com/sharepoint/v3/contenttype/forms"/>
-  </ds:schemaRefs>
-</ds:datastoreItem>
-</file>
-
-<file path=customXml/itemProps3.xml><?xml version="1.0" encoding="utf-8"?>
 <ds:datastoreItem xmlns:ds="http://schemas.openxmlformats.org/officeDocument/2006/customXml" ds:itemID="{025820C3-FD82-4EFC-BF14-EAF1F9613F52}">
   <ds:schemaRefs>
     <ds:schemaRef ds:uri="669280c1-d17e-4d1d-bd7f-b4f14cc6bf1d"/>
@@ -23427,4 +23430,12 @@
     <ds:schemaRef ds:uri="http://www.w3.org/2001/XMLSchema"/>
   </ds:schemaRefs>
 </ds:datastoreItem>
+</file>
+
+<file path=customXml/itemProps3.xml><?xml version="1.0" encoding="utf-8"?>
+<ds:datastoreItem xmlns:ds="http://schemas.openxmlformats.org/officeDocument/2006/customXml" ds:itemID="{4E8623C8-32E1-48B0-9F0A-13F2E9582B7E}">
+  <ds:schemaRefs>
+    <ds:schemaRef ds:uri="http://schemas.microsoft.com/sharepoint/v3/contenttype/forms"/>
+  </ds:schemaRefs>
+</ds:datastoreItem>
 </file>
--- a/Sesión_4/Sistemas de primer orden Discretos.pptx
+++ b/Sesión_4/Sistemas de primer orden Discretos.pptx
@@ -172,6 +172,14 @@
     </p:ext>
   </p:extLst>
 </p:presentation>
+</file>
+
+<file path=ppt/revisionInfo.xml><?xml version="1.0" encoding="utf-8"?>
+<p1510:revInfo xmlns:a="http://schemas.openxmlformats.org/drawingml/2006/main" xmlns:r="http://schemas.openxmlformats.org/officeDocument/2006/relationships" xmlns:p1510="http://schemas.microsoft.com/office/powerpoint/2015/10/main">
+  <p1510:revLst>
+    <p1510:client id="{90CFA0F2-1824-420F-864E-84C9E1813788}" v="1" dt="2025-01-13T19:24:04.453"/>
+  </p1510:revLst>
+</p1510:revInfo>
 </file>
 
 <file path=ppt/changesInfos/changesInfo1.xml><?xml version="1.0" encoding="utf-8"?>
@@ -485,11 +493,34 @@
   </pc:docChgLst>
   <pc:docChgLst>
     <pc:chgData name="JHEYSON FABIAN VILLAVISAN BUITRAGO" userId="e5ced5c2-d787-455d-b115-4f08a699b8c8" providerId="ADAL" clId="{90CFA0F2-1824-420F-864E-84C9E1813788}"/>
-    <pc:docChg chg="delSld modSld modSection">
-      <pc:chgData name="JHEYSON FABIAN VILLAVISAN BUITRAGO" userId="e5ced5c2-d787-455d-b115-4f08a699b8c8" providerId="ADAL" clId="{90CFA0F2-1824-420F-864E-84C9E1813788}" dt="2025-01-13T15:48:03.928" v="9" actId="20577"/>
+    <pc:docChg chg="custSel delSld modSld modSection">
+      <pc:chgData name="JHEYSON FABIAN VILLAVISAN BUITRAGO" userId="e5ced5c2-d787-455d-b115-4f08a699b8c8" providerId="ADAL" clId="{90CFA0F2-1824-420F-864E-84C9E1813788}" dt="2025-01-13T19:37:17.828" v="32" actId="20577"/>
       <pc:docMkLst>
         <pc:docMk/>
       </pc:docMkLst>
+      <pc:sldChg chg="addSp delSp modSp mod">
+        <pc:chgData name="JHEYSON FABIAN VILLAVISAN BUITRAGO" userId="e5ced5c2-d787-455d-b115-4f08a699b8c8" providerId="ADAL" clId="{90CFA0F2-1824-420F-864E-84C9E1813788}" dt="2025-01-13T19:24:04.453" v="31"/>
+        <pc:sldMkLst>
+          <pc:docMk/>
+          <pc:sldMk cId="2505371292" sldId="270"/>
+        </pc:sldMkLst>
+        <pc:graphicFrameChg chg="del">
+          <ac:chgData name="JHEYSON FABIAN VILLAVISAN BUITRAGO" userId="e5ced5c2-d787-455d-b115-4f08a699b8c8" providerId="ADAL" clId="{90CFA0F2-1824-420F-864E-84C9E1813788}" dt="2025-01-13T19:24:01.784" v="30" actId="478"/>
+          <ac:graphicFrameMkLst>
+            <pc:docMk/>
+            <pc:sldMk cId="2505371292" sldId="270"/>
+            <ac:graphicFrameMk id="2" creationId="{25E9FD53-F152-3D37-F2CC-D22419C66AF0}"/>
+          </ac:graphicFrameMkLst>
+        </pc:graphicFrameChg>
+        <pc:graphicFrameChg chg="add mod">
+          <ac:chgData name="JHEYSON FABIAN VILLAVISAN BUITRAGO" userId="e5ced5c2-d787-455d-b115-4f08a699b8c8" providerId="ADAL" clId="{90CFA0F2-1824-420F-864E-84C9E1813788}" dt="2025-01-13T19:24:04.453" v="31"/>
+          <ac:graphicFrameMkLst>
+            <pc:docMk/>
+            <pc:sldMk cId="2505371292" sldId="270"/>
+            <ac:graphicFrameMk id="3" creationId="{B5F24FB0-CE38-DC8B-3F0D-727A768C474A}"/>
+          </ac:graphicFrameMkLst>
+        </pc:graphicFrameChg>
+      </pc:sldChg>
       <pc:sldChg chg="modSp mod">
         <pc:chgData name="JHEYSON FABIAN VILLAVISAN BUITRAGO" userId="e5ced5c2-d787-455d-b115-4f08a699b8c8" providerId="ADAL" clId="{90CFA0F2-1824-420F-864E-84C9E1813788}" dt="2025-01-13T15:48:03.928" v="9" actId="20577"/>
         <pc:sldMkLst>
@@ -502,6 +533,36 @@
             <pc:docMk/>
             <pc:sldMk cId="3289317891" sldId="277"/>
             <ac:spMk id="16" creationId="{61C30305-C78C-F687-635F-1E0E3726D49F}"/>
+          </ac:spMkLst>
+        </pc:spChg>
+      </pc:sldChg>
+      <pc:sldChg chg="modSp mod">
+        <pc:chgData name="JHEYSON FABIAN VILLAVISAN BUITRAGO" userId="e5ced5c2-d787-455d-b115-4f08a699b8c8" providerId="ADAL" clId="{90CFA0F2-1824-420F-864E-84C9E1813788}" dt="2025-01-13T18:12:13.590" v="29" actId="20577"/>
+        <pc:sldMkLst>
+          <pc:docMk/>
+          <pc:sldMk cId="1782819992" sldId="278"/>
+        </pc:sldMkLst>
+        <pc:spChg chg="mod">
+          <ac:chgData name="JHEYSON FABIAN VILLAVISAN BUITRAGO" userId="e5ced5c2-d787-455d-b115-4f08a699b8c8" providerId="ADAL" clId="{90CFA0F2-1824-420F-864E-84C9E1813788}" dt="2025-01-13T18:12:13.590" v="29" actId="20577"/>
+          <ac:spMkLst>
+            <pc:docMk/>
+            <pc:sldMk cId="1782819992" sldId="278"/>
+            <ac:spMk id="2" creationId="{8B0794F0-6500-1A1C-3C13-CAFA1EE7248A}"/>
+          </ac:spMkLst>
+        </pc:spChg>
+      </pc:sldChg>
+      <pc:sldChg chg="modSp mod">
+        <pc:chgData name="JHEYSON FABIAN VILLAVISAN BUITRAGO" userId="e5ced5c2-d787-455d-b115-4f08a699b8c8" providerId="ADAL" clId="{90CFA0F2-1824-420F-864E-84C9E1813788}" dt="2025-01-13T19:37:17.828" v="32" actId="20577"/>
+        <pc:sldMkLst>
+          <pc:docMk/>
+          <pc:sldMk cId="2682498100" sldId="282"/>
+        </pc:sldMkLst>
+        <pc:spChg chg="mod">
+          <ac:chgData name="JHEYSON FABIAN VILLAVISAN BUITRAGO" userId="e5ced5c2-d787-455d-b115-4f08a699b8c8" providerId="ADAL" clId="{90CFA0F2-1824-420F-864E-84C9E1813788}" dt="2025-01-13T19:37:17.828" v="32" actId="20577"/>
+          <ac:spMkLst>
+            <pc:docMk/>
+            <pc:sldMk cId="2682498100" sldId="282"/>
+            <ac:spMk id="2" creationId="{8B0794F0-6500-1A1C-3C13-CAFA1EE7248A}"/>
           </ac:spMkLst>
         </pc:spChg>
       </pc:sldChg>
@@ -12206,10 +12267,9 @@
               <a:t>Ts</a:t>
             </a:r>
             <a:r>
-              <a:rPr lang="es-CO"/>
-              <a:t>=[0.1, 1, 10]</a:t>
-            </a:r>
-            <a:endParaRPr lang="es-CO" dirty="0"/>
+              <a:rPr lang="es-CO" dirty="0"/>
+              <a:t>=[0.1, 2, 10]</a:t>
+            </a:r>
           </a:p>
           <a:p>
             <a:endParaRPr lang="es-CO" dirty="0"/>
@@ -13232,10 +13292,10 @@
       </p:sp>
       <p:graphicFrame>
         <p:nvGraphicFramePr>
-          <p:cNvPr id="2" name="Tabla 3">
+          <p:cNvPr id="3" name="Tabla 3">
             <a:extLst>
               <a:ext uri="{FF2B5EF4-FFF2-40B4-BE49-F238E27FC236}">
-                <a16:creationId xmlns:a16="http://schemas.microsoft.com/office/drawing/2014/main" id="{25E9FD53-F152-3D37-F2CC-D22419C66AF0}"/>
+                <a16:creationId xmlns:a16="http://schemas.microsoft.com/office/drawing/2014/main" id="{B5F24FB0-CE38-DC8B-3F0D-727A768C474A}"/>
               </a:ext>
             </a:extLst>
           </p:cNvPr>
@@ -13245,14 +13305,14 @@
           <p:nvPr>
             <p:extLst>
               <p:ext uri="{D42A27DB-BD31-4B8C-83A1-F6EECF244321}">
-                <p14:modId xmlns:p14="http://schemas.microsoft.com/office/powerpoint/2010/main" val="3441811199"/>
+                <p14:modId xmlns:p14="http://schemas.microsoft.com/office/powerpoint/2010/main" val="1395475829"/>
               </p:ext>
             </p:extLst>
           </p:nvPr>
         </p:nvGraphicFramePr>
         <p:xfrm>
-          <a:off x="863588" y="839478"/>
-          <a:ext cx="7416824" cy="5753068"/>
+          <a:off x="863588" y="670925"/>
+          <a:ext cx="7416824" cy="5483937"/>
         </p:xfrm>
         <a:graphic>
           <a:graphicData uri="http://schemas.openxmlformats.org/drawingml/2006/table">
@@ -13422,7 +13482,7 @@
                       <a:pPr algn="ctr"/>
                       <a:r>
                         <a:rPr lang="es-CO" sz="1000" dirty="0"/>
-                        <a:t>5 agosto – 10 agosto</a:t>
+                        <a:t>3 febrero – 7 febrero</a:t>
                       </a:r>
                     </a:p>
                   </a:txBody>
@@ -13629,7 +13689,7 @@
                             <a:schemeClr val="tx1"/>
                           </a:solidFill>
                         </a:rPr>
-                        <a:t>12 agosto – 16 agosto</a:t>
+                        <a:t>10 febrero – 14 febrero</a:t>
                       </a:r>
                     </a:p>
                   </a:txBody>
@@ -13790,13 +13850,10 @@
                       <a:r>
                         <a:rPr lang="es-CO" sz="1000" dirty="0">
                           <a:solidFill>
-                            <a:srgbClr val="FF0000"/>
+                            <a:schemeClr val="tx1"/>
                           </a:solidFill>
-                          <a:highlight>
-                            <a:srgbClr val="FFFF00"/>
-                          </a:highlight>
                         </a:rPr>
-                        <a:t>19 agosto –23 agosto</a:t>
+                        <a:t>17 febrero – 21 febrero</a:t>
                       </a:r>
                     </a:p>
                   </a:txBody>
@@ -13960,7 +14017,7 @@
                             <a:schemeClr val="tx1"/>
                           </a:solidFill>
                         </a:rPr>
-                        <a:t>26 agosto – 30 agosto</a:t>
+                        <a:t>24 febrero – 28 febrero</a:t>
                       </a:r>
                     </a:p>
                   </a:txBody>
@@ -14127,7 +14184,7 @@
                       <a:pPr algn="ctr"/>
                       <a:r>
                         <a:rPr lang="es-CO" sz="1000" dirty="0"/>
-                        <a:t>2 septiembre – 6 septiembre</a:t>
+                        <a:t>3 marzo – 7 marzo</a:t>
                       </a:r>
                     </a:p>
                   </a:txBody>
@@ -14177,11 +14234,7 @@
                     <a:p>
                       <a:pPr algn="ctr"/>
                       <a:r>
-                        <a:rPr lang="es-CO" sz="1000" dirty="0">
-                          <a:highlight>
-                            <a:srgbClr val="00FF00"/>
-                          </a:highlight>
-                        </a:rPr>
+                        <a:rPr lang="es-CO" sz="1000" dirty="0"/>
                         <a:t>Sistemas discretos de 1er y 2do orden .</a:t>
                       </a:r>
                     </a:p>
@@ -14295,7 +14348,7 @@
                             <a:schemeClr val="tx1"/>
                           </a:solidFill>
                         </a:rPr>
-                        <a:t>9 septiembre – 13 septiembre</a:t>
+                        <a:t>10 marzo – 14 marzo</a:t>
                       </a:r>
                     </a:p>
                   </a:txBody>
@@ -14459,7 +14512,7 @@
                       <a:pPr algn="ctr"/>
                       <a:r>
                         <a:rPr lang="es-CO" sz="1000" dirty="0"/>
-                        <a:t> 18 marzo – 22 marzo</a:t>
+                        <a:t> 17 marzo – 21 marzo</a:t>
                       </a:r>
                     </a:p>
                   </a:txBody>
@@ -14620,10 +14673,13 @@
                       <a:r>
                         <a:rPr lang="es-CO" sz="1000" dirty="0">
                           <a:solidFill>
-                            <a:schemeClr val="tx1"/>
+                            <a:srgbClr val="FF0000"/>
                           </a:solidFill>
+                          <a:highlight>
+                            <a:srgbClr val="FFFF00"/>
+                          </a:highlight>
                         </a:rPr>
-                        <a:t>16 septiembre – 20 septiembre</a:t>
+                        <a:t>24 marzo – 28 marzo</a:t>
                       </a:r>
                     </a:p>
                   </a:txBody>
@@ -14831,7 +14887,7 @@
                             <a:schemeClr val="tx1"/>
                           </a:solidFill>
                         </a:rPr>
-                        <a:t>23 septiembre – 27 septiembre</a:t>
+                        <a:t>31 marzo – 4 abril</a:t>
                       </a:r>
                     </a:p>
                   </a:txBody>
@@ -14997,7 +15053,7 @@
                       <a:pPr algn="ctr"/>
                       <a:r>
                         <a:rPr lang="es-CO" sz="1000" dirty="0"/>
-                        <a:t>30 septiembre – 4 octubre</a:t>
+                        <a:t>7 abril – 11 abril</a:t>
                       </a:r>
                     </a:p>
                   </a:txBody>
@@ -15174,10 +15230,13 @@
                       <a:r>
                         <a:rPr lang="es-CO" sz="1000" dirty="0">
                           <a:solidFill>
-                            <a:schemeClr val="tx1"/>
+                            <a:srgbClr val="FF0000"/>
                           </a:solidFill>
+                          <a:highlight>
+                            <a:srgbClr val="FFFF00"/>
+                          </a:highlight>
                         </a:rPr>
-                        <a:t>7 octubre – 11 octubre</a:t>
+                        <a:t>14 abril – 18 abril</a:t>
                       </a:r>
                     </a:p>
                   </a:txBody>
@@ -15244,7 +15303,7 @@
                       </a:pPr>
                       <a:r>
                         <a:rPr lang="es-CO" sz="1000" dirty="0"/>
-                        <a:t>El controlador PID</a:t>
+                        <a:t>-</a:t>
                       </a:r>
                     </a:p>
                   </a:txBody>
@@ -15354,13 +15413,10 @@
                       <a:r>
                         <a:rPr lang="es-CO" sz="1000" dirty="0">
                           <a:solidFill>
-                            <a:srgbClr val="FF0000"/>
+                            <a:schemeClr val="tx1"/>
                           </a:solidFill>
-                          <a:highlight>
-                            <a:srgbClr val="FFFF00"/>
-                          </a:highlight>
                         </a:rPr>
-                        <a:t>14 octubre – 18 octubre </a:t>
+                        <a:t>21 abril – 25 abril</a:t>
                       </a:r>
                     </a:p>
                   </a:txBody>
@@ -15426,8 +15482,12 @@
                         <a:defRPr/>
                       </a:pPr>
                       <a:r>
-                        <a:rPr lang="es-CO" sz="1000" dirty="0"/>
-                        <a:t>Diseño basado en LGR</a:t>
+                        <a:rPr lang="es-CO" sz="1000" b="1" u="sng" dirty="0">
+                          <a:solidFill>
+                            <a:srgbClr val="C00000"/>
+                          </a:solidFill>
+                        </a:rPr>
+                        <a:t>Examen Parcial 2</a:t>
                       </a:r>
                     </a:p>
                   </a:txBody>
@@ -15552,7 +15612,7 @@
                       </a:pPr>
                       <a:r>
                         <a:rPr lang="es-CO" sz="1000" dirty="0"/>
-                        <a:t>21 octubre – 25 octubre</a:t>
+                        <a:t>28 abril – 2 mayo</a:t>
                       </a:r>
                     </a:p>
                   </a:txBody>
@@ -15618,12 +15678,8 @@
                         <a:defRPr/>
                       </a:pPr>
                       <a:r>
-                        <a:rPr lang="es-CO" sz="1000" b="1" u="sng" dirty="0">
-                          <a:solidFill>
-                            <a:srgbClr val="C00000"/>
-                          </a:solidFill>
-                        </a:rPr>
-                        <a:t>Examen Parcial 2</a:t>
+                        <a:rPr lang="es-CO" sz="1000" dirty="0"/>
+                        <a:t>El controlador PID</a:t>
                       </a:r>
                     </a:p>
                   </a:txBody>
@@ -15752,7 +15808,7 @@
                             <a:schemeClr val="tx1"/>
                           </a:solidFill>
                         </a:rPr>
-                        <a:t>28 octubre – 1 noviembre</a:t>
+                        <a:t>5 mayo – 9 mayo</a:t>
                       </a:r>
                     </a:p>
                   </a:txBody>
@@ -15819,7 +15875,7 @@
                       </a:pPr>
                       <a:r>
                         <a:rPr lang="es-CO" sz="1000" dirty="0"/>
-                        <a:t>Diseño ecuaciones polinomiales</a:t>
+                        <a:t>Diseño basado en LGR</a:t>
                       </a:r>
                     </a:p>
                   </a:txBody>
@@ -15946,13 +16002,10 @@
                       <a:r>
                         <a:rPr lang="es-CO" sz="1000" dirty="0">
                           <a:solidFill>
-                            <a:srgbClr val="FF0000"/>
+                            <a:schemeClr val="tx1"/>
                           </a:solidFill>
-                          <a:highlight>
-                            <a:srgbClr val="FFFF00"/>
-                          </a:highlight>
                         </a:rPr>
-                        <a:t>4 noviembre – 11 noviembre</a:t>
+                        <a:t>12 mayo – 16 mayo</a:t>
                       </a:r>
                     </a:p>
                   </a:txBody>
@@ -16000,10 +16053,26 @@
                     <a:bodyPr/>
                     <a:lstStyle/>
                     <a:p>
-                      <a:pPr algn="ctr"/>
+                      <a:pPr marL="0" marR="0" lvl="0" indent="0" algn="ctr" defTabSz="685800" rtl="0" eaLnBrk="1" fontAlgn="auto" latinLnBrk="0" hangingPunct="1">
+                        <a:lnSpc>
+                          <a:spcPct val="100000"/>
+                        </a:lnSpc>
+                        <a:spcBef>
+                          <a:spcPts val="0"/>
+                        </a:spcBef>
+                        <a:spcAft>
+                          <a:spcPts val="0"/>
+                        </a:spcAft>
+                        <a:buClrTx/>
+                        <a:buSzTx/>
+                        <a:buFontTx/>
+                        <a:buNone/>
+                        <a:tabLst/>
+                        <a:defRPr/>
+                      </a:pPr>
                       <a:r>
                         <a:rPr lang="es-CO" sz="1000" dirty="0"/>
-                        <a:t>-</a:t>
+                        <a:t>Diseño ecuaciones polinomiales</a:t>
                       </a:r>
                     </a:p>
                   </a:txBody>
@@ -16114,13 +16183,10 @@
                       <a:r>
                         <a:rPr lang="es-CO" sz="1000" dirty="0">
                           <a:solidFill>
-                            <a:srgbClr val="FF0000"/>
+                            <a:schemeClr val="tx1"/>
                           </a:solidFill>
-                          <a:highlight>
-                            <a:srgbClr val="FFFF00"/>
-                          </a:highlight>
                         </a:rPr>
-                        <a:t>11 noviembre – 15 noviembre </a:t>
+                        <a:t>19 mayo – 23 mayo</a:t>
                       </a:r>
                     </a:p>
                   </a:txBody>
@@ -16185,14 +16251,11 @@
                         <a:tabLst/>
                         <a:defRPr/>
                       </a:pPr>
-                      <a:r>
-                        <a:rPr lang="es-CO" sz="1000" b="1" u="sng" dirty="0">
-                          <a:solidFill>
-                            <a:srgbClr val="C00000"/>
-                          </a:solidFill>
-                        </a:rPr>
-                        <a:t>-</a:t>
-                      </a:r>
+                      <a:endParaRPr lang="es-CO" sz="1000" b="1" u="sng" dirty="0">
+                        <a:solidFill>
+                          <a:srgbClr val="C00000"/>
+                        </a:solidFill>
+                      </a:endParaRPr>
                     </a:p>
                   </a:txBody>
                   <a:tcPr>
@@ -16305,7 +16368,7 @@
                             <a:schemeClr val="tx1"/>
                           </a:solidFill>
                         </a:rPr>
-                        <a:t>18 noviembre – 22 noviembre</a:t>
+                        <a:t>26 mayo – 30 mayo</a:t>
                       </a:r>
                     </a:p>
                   </a:txBody>
@@ -16467,191 +16530,13 @@
                       <a:r>
                         <a:rPr lang="es-CO" sz="1000" dirty="0">
                           <a:solidFill>
-                            <a:schemeClr val="tx1"/>
+                            <a:srgbClr val="FF0000"/>
                           </a:solidFill>
+                          <a:highlight>
+                            <a:srgbClr val="FFFF00"/>
+                          </a:highlight>
                         </a:rPr>
-                        <a:t>25 noviembre – 29 noviembre</a:t>
-                      </a:r>
-                    </a:p>
-                  </a:txBody>
-                  <a:tcPr>
-                    <a:lnL w="12700" cap="flat" cmpd="sng" algn="ctr">
-                      <a:solidFill>
-                        <a:schemeClr val="tx1"/>
-                      </a:solidFill>
-                      <a:prstDash val="solid"/>
-                      <a:round/>
-                      <a:headEnd type="none" w="med" len="med"/>
-                      <a:tailEnd type="none" w="med" len="med"/>
-                    </a:lnL>
-                    <a:lnR w="12700" cap="flat" cmpd="sng" algn="ctr">
-                      <a:solidFill>
-                        <a:schemeClr val="tx1"/>
-                      </a:solidFill>
-                      <a:prstDash val="solid"/>
-                      <a:round/>
-                      <a:headEnd type="none" w="med" len="med"/>
-                      <a:tailEnd type="none" w="med" len="med"/>
-                    </a:lnR>
-                    <a:lnT w="12700" cap="flat" cmpd="sng" algn="ctr">
-                      <a:solidFill>
-                        <a:schemeClr val="tx1"/>
-                      </a:solidFill>
-                      <a:prstDash val="solid"/>
-                      <a:round/>
-                      <a:headEnd type="none" w="med" len="med"/>
-                      <a:tailEnd type="none" w="med" len="med"/>
-                    </a:lnT>
-                    <a:lnB w="12700" cap="flat" cmpd="sng" algn="ctr">
-                      <a:solidFill>
-                        <a:schemeClr val="tx1"/>
-                      </a:solidFill>
-                      <a:prstDash val="solid"/>
-                      <a:round/>
-                      <a:headEnd type="none" w="med" len="med"/>
-                      <a:tailEnd type="none" w="med" len="med"/>
-                    </a:lnB>
-                  </a:tcPr>
-                </a:tc>
-                <a:tc>
-                  <a:txBody>
-                    <a:bodyPr/>
-                    <a:lstStyle/>
-                    <a:p>
-                      <a:pPr marL="0" marR="0" lvl="0" indent="0" algn="ctr" defTabSz="685800" rtl="0" eaLnBrk="1" fontAlgn="auto" latinLnBrk="0" hangingPunct="1">
-                        <a:lnSpc>
-                          <a:spcPct val="100000"/>
-                        </a:lnSpc>
-                        <a:spcBef>
-                          <a:spcPts val="0"/>
-                        </a:spcBef>
-                        <a:spcAft>
-                          <a:spcPts val="0"/>
-                        </a:spcAft>
-                        <a:buClrTx/>
-                        <a:buSzTx/>
-                        <a:buFontTx/>
-                        <a:buNone/>
-                        <a:tabLst/>
-                        <a:defRPr/>
-                      </a:pPr>
-                      <a:endParaRPr lang="es-CO" sz="1000" b="1" u="sng" dirty="0">
-                        <a:solidFill>
-                          <a:srgbClr val="C00000"/>
-                        </a:solidFill>
-                      </a:endParaRPr>
-                    </a:p>
-                  </a:txBody>
-                  <a:tcPr>
-                    <a:lnL w="12700" cap="flat" cmpd="sng" algn="ctr">
-                      <a:solidFill>
-                        <a:schemeClr val="tx1"/>
-                      </a:solidFill>
-                      <a:prstDash val="solid"/>
-                      <a:round/>
-                      <a:headEnd type="none" w="med" len="med"/>
-                      <a:tailEnd type="none" w="med" len="med"/>
-                    </a:lnL>
-                    <a:lnR w="12700" cap="flat" cmpd="sng" algn="ctr">
-                      <a:solidFill>
-                        <a:schemeClr val="tx1"/>
-                      </a:solidFill>
-                      <a:prstDash val="solid"/>
-                      <a:round/>
-                      <a:headEnd type="none" w="med" len="med"/>
-                      <a:tailEnd type="none" w="med" len="med"/>
-                    </a:lnR>
-                    <a:lnT w="12700" cap="flat" cmpd="sng" algn="ctr">
-                      <a:solidFill>
-                        <a:schemeClr val="tx1"/>
-                      </a:solidFill>
-                      <a:prstDash val="solid"/>
-                      <a:round/>
-                      <a:headEnd type="none" w="med" len="med"/>
-                      <a:tailEnd type="none" w="med" len="med"/>
-                    </a:lnT>
-                    <a:lnB w="12700" cap="flat" cmpd="sng" algn="ctr">
-                      <a:solidFill>
-                        <a:schemeClr val="tx1"/>
-                      </a:solidFill>
-                      <a:prstDash val="solid"/>
-                      <a:round/>
-                      <a:headEnd type="none" w="med" len="med"/>
-                      <a:tailEnd type="none" w="med" len="med"/>
-                    </a:lnB>
-                  </a:tcPr>
-                </a:tc>
-                <a:extLst>
-                  <a:ext uri="{0D108BD9-81ED-4DB2-BD59-A6C34878D82A}">
-                    <a16:rowId xmlns:a16="http://schemas.microsoft.com/office/drawing/2014/main" val="747768826"/>
-                  </a:ext>
-                </a:extLst>
-              </a:tr>
-              <a:tr h="269131">
-                <a:tc>
-                  <a:txBody>
-                    <a:bodyPr/>
-                    <a:lstStyle/>
-                    <a:p>
-                      <a:pPr algn="ctr"/>
-                      <a:r>
-                        <a:rPr lang="es-CO" sz="1000" dirty="0"/>
-                        <a:t>19</a:t>
-                      </a:r>
-                    </a:p>
-                  </a:txBody>
-                  <a:tcPr>
-                    <a:lnL w="12700" cap="flat" cmpd="sng" algn="ctr">
-                      <a:solidFill>
-                        <a:schemeClr val="tx1"/>
-                      </a:solidFill>
-                      <a:prstDash val="solid"/>
-                      <a:round/>
-                      <a:headEnd type="none" w="med" len="med"/>
-                      <a:tailEnd type="none" w="med" len="med"/>
-                    </a:lnL>
-                    <a:lnR w="12700" cap="flat" cmpd="sng" algn="ctr">
-                      <a:solidFill>
-                        <a:schemeClr val="tx1"/>
-                      </a:solidFill>
-                      <a:prstDash val="solid"/>
-                      <a:round/>
-                      <a:headEnd type="none" w="med" len="med"/>
-                      <a:tailEnd type="none" w="med" len="med"/>
-                    </a:lnR>
-                    <a:lnT w="12700" cap="flat" cmpd="sng" algn="ctr">
-                      <a:solidFill>
-                        <a:schemeClr val="tx1"/>
-                      </a:solidFill>
-                      <a:prstDash val="solid"/>
-                      <a:round/>
-                      <a:headEnd type="none" w="med" len="med"/>
-                      <a:tailEnd type="none" w="med" len="med"/>
-                    </a:lnT>
-                    <a:lnB w="12700" cap="flat" cmpd="sng" algn="ctr">
-                      <a:solidFill>
-                        <a:schemeClr val="tx1"/>
-                      </a:solidFill>
-                      <a:prstDash val="solid"/>
-                      <a:round/>
-                      <a:headEnd type="none" w="med" len="med"/>
-                      <a:tailEnd type="none" w="med" len="med"/>
-                    </a:lnB>
-                  </a:tcPr>
-                </a:tc>
-                <a:tc>
-                  <a:txBody>
-                    <a:bodyPr/>
-                    <a:lstStyle/>
-                    <a:p>
-                      <a:pPr algn="ctr"/>
-                      <a:r>
-                        <a:rPr lang="es-CO" sz="1000" dirty="0">
-                          <a:solidFill>
-                            <a:schemeClr val="tx1"/>
-                          </a:solidFill>
-                        </a:rPr>
-                        <a:t>3 diciembre – 7 diciembre</a:t>
+                        <a:t>2 junio – 6 junio </a:t>
                       </a:r>
                     </a:p>
                   </a:txBody>
@@ -16767,7 +16652,7 @@
                 </a:tc>
                 <a:extLst>
                   <a:ext uri="{0D108BD9-81ED-4DB2-BD59-A6C34878D82A}">
-                    <a16:rowId xmlns:a16="http://schemas.microsoft.com/office/drawing/2014/main" val="4128284738"/>
+                    <a16:rowId xmlns:a16="http://schemas.microsoft.com/office/drawing/2014/main" val="747768826"/>
                   </a:ext>
                 </a:extLst>
               </a:tr>
@@ -19951,7 +19836,7 @@
           <a:p>
             <a:r>
               <a:rPr lang="es-CO" dirty="0"/>
-              <a:t>Calcular la respuesta al escalón unitario y graficar</a:t>
+              <a:t>Calcular la respuesta al  impulso y al escalón unitario y graficar</a:t>
             </a:r>
           </a:p>
           <a:p>
@@ -20779,7 +20664,7 @@
                     </m:oMath>
                   </m:oMathPara>
                 </a14:m>
-                <a:endParaRPr lang="es-ES" b="0" i="0">
+                <a:endParaRPr lang="es-ES" b="0" i="0" dirty="0">
                   <a:solidFill>
                     <a:schemeClr val="tx1"/>
                   </a:solidFill>
@@ -23145,11 +23030,12 @@
 </file>
 
 <file path=customXml/item1.xml><?xml version="1.0" encoding="utf-8"?>
-<p:properties xmlns:p="http://schemas.microsoft.com/office/2006/metadata/properties" xmlns:xsi="http://www.w3.org/2001/XMLSchema-instance" xmlns:pc="http://schemas.microsoft.com/office/infopath/2007/PartnerControls">
-  <documentManagement>
-    <_activity xmlns="bdc56f61-abc0-4f7e-bfec-a93ccd1ae886" xsi:nil="true"/>
-  </documentManagement>
-</p:properties>
+<?mso-contentType ?>
+<FormTemplates xmlns="http://schemas.microsoft.com/sharepoint/v3/contenttype/forms">
+  <Display>DocumentLibraryForm</Display>
+  <Edit>DocumentLibraryForm</Edit>
+  <New>DocumentLibraryForm</New>
+</FormTemplates>
 </file>
 
 <file path=customXml/item2.xml><?xml version="1.0" encoding="utf-8"?>
@@ -23388,27 +23274,17 @@
 </file>
 
 <file path=customXml/item3.xml><?xml version="1.0" encoding="utf-8"?>
-<?mso-contentType ?>
-<FormTemplates xmlns="http://schemas.microsoft.com/sharepoint/v3/contenttype/forms">
-  <Display>DocumentLibraryForm</Display>
-  <Edit>DocumentLibraryForm</Edit>
-  <New>DocumentLibraryForm</New>
-</FormTemplates>
+<p:properties xmlns:p="http://schemas.microsoft.com/office/2006/metadata/properties" xmlns:xsi="http://www.w3.org/2001/XMLSchema-instance" xmlns:pc="http://schemas.microsoft.com/office/infopath/2007/PartnerControls">
+  <documentManagement>
+    <_activity xmlns="bdc56f61-abc0-4f7e-bfec-a93ccd1ae886" xsi:nil="true"/>
+  </documentManagement>
+</p:properties>
 </file>
 
 <file path=customXml/itemProps1.xml><?xml version="1.0" encoding="utf-8"?>
-<ds:datastoreItem xmlns:ds="http://schemas.openxmlformats.org/officeDocument/2006/customXml" ds:itemID="{0825853C-1B27-4995-A583-4D39F900BB7F}">
+<ds:datastoreItem xmlns:ds="http://schemas.openxmlformats.org/officeDocument/2006/customXml" ds:itemID="{4E8623C8-32E1-48B0-9F0A-13F2E9582B7E}">
   <ds:schemaRefs>
-    <ds:schemaRef ds:uri="669280c1-d17e-4d1d-bd7f-b4f14cc6bf1d"/>
-    <ds:schemaRef ds:uri="bdc56f61-abc0-4f7e-bfec-a93ccd1ae886"/>
-    <ds:schemaRef ds:uri="http://purl.org/dc/dcmitype/"/>
-    <ds:schemaRef ds:uri="http://purl.org/dc/elements/1.1/"/>
-    <ds:schemaRef ds:uri="http://purl.org/dc/terms/"/>
-    <ds:schemaRef ds:uri="http://schemas.microsoft.com/office/2006/documentManagement/types"/>
-    <ds:schemaRef ds:uri="http://schemas.microsoft.com/office/2006/metadata/properties"/>
-    <ds:schemaRef ds:uri="http://schemas.microsoft.com/office/infopath/2007/PartnerControls"/>
-    <ds:schemaRef ds:uri="http://schemas.openxmlformats.org/package/2006/metadata/core-properties"/>
-    <ds:schemaRef ds:uri="http://www.w3.org/XML/1998/namespace"/>
+    <ds:schemaRef ds:uri="http://schemas.microsoft.com/sharepoint/v3/contenttype/forms"/>
   </ds:schemaRefs>
 </ds:datastoreItem>
 </file>
@@ -23433,9 +23309,18 @@
 </file>
 
 <file path=customXml/itemProps3.xml><?xml version="1.0" encoding="utf-8"?>
-<ds:datastoreItem xmlns:ds="http://schemas.openxmlformats.org/officeDocument/2006/customXml" ds:itemID="{4E8623C8-32E1-48B0-9F0A-13F2E9582B7E}">
+<ds:datastoreItem xmlns:ds="http://schemas.openxmlformats.org/officeDocument/2006/customXml" ds:itemID="{0825853C-1B27-4995-A583-4D39F900BB7F}">
   <ds:schemaRefs>
-    <ds:schemaRef ds:uri="http://schemas.microsoft.com/sharepoint/v3/contenttype/forms"/>
+    <ds:schemaRef ds:uri="669280c1-d17e-4d1d-bd7f-b4f14cc6bf1d"/>
+    <ds:schemaRef ds:uri="bdc56f61-abc0-4f7e-bfec-a93ccd1ae886"/>
+    <ds:schemaRef ds:uri="http://purl.org/dc/dcmitype/"/>
+    <ds:schemaRef ds:uri="http://purl.org/dc/elements/1.1/"/>
+    <ds:schemaRef ds:uri="http://purl.org/dc/terms/"/>
+    <ds:schemaRef ds:uri="http://schemas.microsoft.com/office/2006/documentManagement/types"/>
+    <ds:schemaRef ds:uri="http://schemas.microsoft.com/office/2006/metadata/properties"/>
+    <ds:schemaRef ds:uri="http://schemas.microsoft.com/office/infopath/2007/PartnerControls"/>
+    <ds:schemaRef ds:uri="http://schemas.openxmlformats.org/package/2006/metadata/core-properties"/>
+    <ds:schemaRef ds:uri="http://www.w3.org/XML/1998/namespace"/>
   </ds:schemaRefs>
 </ds:datastoreItem>
 </file>
--- a/Sesión_4/Sistemas de primer orden Discretos.pptx
+++ b/Sesión_4/Sistemas de primer orden Discretos.pptx
@@ -177,7 +177,7 @@
 <file path=ppt/revisionInfo.xml><?xml version="1.0" encoding="utf-8"?>
 <p1510:revInfo xmlns:a="http://schemas.openxmlformats.org/drawingml/2006/main" xmlns:r="http://schemas.openxmlformats.org/officeDocument/2006/relationships" xmlns:p1510="http://schemas.microsoft.com/office/powerpoint/2015/10/main">
   <p1510:revLst>
-    <p1510:client id="{90CFA0F2-1824-420F-864E-84C9E1813788}" v="1" dt="2025-01-13T19:24:04.453"/>
+    <p1510:client id="{7CF6B7BB-1BB9-4293-9547-19BFC30273F1}" v="9" dt="2025-04-01T15:28:08.100"/>
   </p1510:revLst>
 </p1510:revInfo>
 </file>
@@ -197,14 +197,6 @@
           <pc:docMk/>
           <pc:sldMk cId="2152738375" sldId="279"/>
         </pc:sldMkLst>
-        <pc:spChg chg="mod">
-          <ac:chgData name="DIEGO ALEJANDRO RODRIGUEZ GOMEZ" userId="S::darodriguezgo@itc.edu.co::1e2337d8-8fab-437d-a653-fa453b036901" providerId="AD" clId="Web-{4BADA2A2-50D5-C957-D850-144BE943190C}" dt="2024-11-25T04:04:40.200" v="3" actId="1076"/>
-          <ac:spMkLst>
-            <pc:docMk/>
-            <pc:sldMk cId="2152738375" sldId="279"/>
-            <ac:spMk id="4" creationId="{156D4460-BDB7-C14D-E9C4-A3AB5A3A03FB}"/>
-          </ac:spMkLst>
-        </pc:spChg>
       </pc:sldChg>
       <pc:sldChg chg="ord">
         <pc:chgData name="DIEGO ALEJANDRO RODRIGUEZ GOMEZ" userId="S::darodriguezgo@itc.edu.co::1e2337d8-8fab-437d-a653-fa453b036901" providerId="AD" clId="Web-{4BADA2A2-50D5-C957-D850-144BE943190C}" dt="2024-11-25T04:06:24.563" v="4"/>
@@ -504,14 +496,6 @@
           <pc:docMk/>
           <pc:sldMk cId="2505371292" sldId="270"/>
         </pc:sldMkLst>
-        <pc:graphicFrameChg chg="del">
-          <ac:chgData name="JHEYSON FABIAN VILLAVISAN BUITRAGO" userId="e5ced5c2-d787-455d-b115-4f08a699b8c8" providerId="ADAL" clId="{90CFA0F2-1824-420F-864E-84C9E1813788}" dt="2025-01-13T19:24:01.784" v="30" actId="478"/>
-          <ac:graphicFrameMkLst>
-            <pc:docMk/>
-            <pc:sldMk cId="2505371292" sldId="270"/>
-            <ac:graphicFrameMk id="2" creationId="{25E9FD53-F152-3D37-F2CC-D22419C66AF0}"/>
-          </ac:graphicFrameMkLst>
-        </pc:graphicFrameChg>
         <pc:graphicFrameChg chg="add mod">
           <ac:chgData name="JHEYSON FABIAN VILLAVISAN BUITRAGO" userId="e5ced5c2-d787-455d-b115-4f08a699b8c8" providerId="ADAL" clId="{90CFA0F2-1824-420F-864E-84C9E1813788}" dt="2025-01-13T19:24:04.453" v="31"/>
           <ac:graphicFrameMkLst>
@@ -692,6 +676,52 @@
           <pc:docMk/>
           <pc:sldMk cId="2611572295" sldId="286"/>
         </pc:sldMkLst>
+      </pc:sldChg>
+    </pc:docChg>
+  </pc:docChgLst>
+  <pc:docChgLst>
+    <pc:chgData name="JHEYSON FABIAN VILLAVISAN BUITRAGO" userId="e5ced5c2-d787-455d-b115-4f08a699b8c8" providerId="ADAL" clId="{7CF6B7BB-1BB9-4293-9547-19BFC30273F1}"/>
+    <pc:docChg chg="custSel modSld">
+      <pc:chgData name="JHEYSON FABIAN VILLAVISAN BUITRAGO" userId="e5ced5c2-d787-455d-b115-4f08a699b8c8" providerId="ADAL" clId="{7CF6B7BB-1BB9-4293-9547-19BFC30273F1}" dt="2025-04-01T15:37:27.833" v="23" actId="20577"/>
+      <pc:docMkLst>
+        <pc:docMk/>
+      </pc:docMkLst>
+      <pc:sldChg chg="modSp">
+        <pc:chgData name="JHEYSON FABIAN VILLAVISAN BUITRAGO" userId="e5ced5c2-d787-455d-b115-4f08a699b8c8" providerId="ADAL" clId="{7CF6B7BB-1BB9-4293-9547-19BFC30273F1}" dt="2025-04-01T15:28:08.100" v="10" actId="20577"/>
+        <pc:sldMkLst>
+          <pc:docMk/>
+          <pc:sldMk cId="2152738375" sldId="279"/>
+        </pc:sldMkLst>
+        <pc:spChg chg="mod">
+          <ac:chgData name="JHEYSON FABIAN VILLAVISAN BUITRAGO" userId="e5ced5c2-d787-455d-b115-4f08a699b8c8" providerId="ADAL" clId="{7CF6B7BB-1BB9-4293-9547-19BFC30273F1}" dt="2025-04-01T15:28:08.100" v="10" actId="20577"/>
+          <ac:spMkLst>
+            <pc:docMk/>
+            <pc:sldMk cId="2152738375" sldId="279"/>
+            <ac:spMk id="4" creationId="{156D4460-BDB7-C14D-E9C4-A3AB5A3A03FB}"/>
+          </ac:spMkLst>
+        </pc:spChg>
+      </pc:sldChg>
+      <pc:sldChg chg="modNotes modNotesTx">
+        <pc:chgData name="JHEYSON FABIAN VILLAVISAN BUITRAGO" userId="e5ced5c2-d787-455d-b115-4f08a699b8c8" providerId="ADAL" clId="{7CF6B7BB-1BB9-4293-9547-19BFC30273F1}" dt="2025-04-01T15:28:08.127" v="11" actId="27636"/>
+        <pc:sldMkLst>
+          <pc:docMk/>
+          <pc:sldMk cId="2682498100" sldId="282"/>
+        </pc:sldMkLst>
+      </pc:sldChg>
+      <pc:sldChg chg="modSp mod">
+        <pc:chgData name="JHEYSON FABIAN VILLAVISAN BUITRAGO" userId="e5ced5c2-d787-455d-b115-4f08a699b8c8" providerId="ADAL" clId="{7CF6B7BB-1BB9-4293-9547-19BFC30273F1}" dt="2025-04-01T15:37:27.833" v="23" actId="20577"/>
+        <pc:sldMkLst>
+          <pc:docMk/>
+          <pc:sldMk cId="892143255" sldId="284"/>
+        </pc:sldMkLst>
+        <pc:spChg chg="mod">
+          <ac:chgData name="JHEYSON FABIAN VILLAVISAN BUITRAGO" userId="e5ced5c2-d787-455d-b115-4f08a699b8c8" providerId="ADAL" clId="{7CF6B7BB-1BB9-4293-9547-19BFC30273F1}" dt="2025-04-01T15:37:27.833" v="23" actId="20577"/>
+          <ac:spMkLst>
+            <pc:docMk/>
+            <pc:sldMk cId="892143255" sldId="284"/>
+            <ac:spMk id="2" creationId="{8B0794F0-6500-1A1C-3C13-CAFA1EE7248A}"/>
+          </ac:spMkLst>
+        </pc:spChg>
       </pc:sldChg>
     </pc:docChg>
   </pc:docChgLst>
@@ -1212,7 +1242,7 @@
               <a:pPr>
                 <a:defRPr/>
               </a:pPr>
-              <a:t>13/01/2025</a:t>
+              <a:t>1/04/2025</a:t>
             </a:fld>
             <a:endParaRPr lang="es-CO"/>
           </a:p>
@@ -1455,7 +1485,7 @@
               <a:pPr>
                 <a:defRPr/>
               </a:pPr>
-              <a:t>13/01/2025</a:t>
+              <a:t>1/04/2025</a:t>
             </a:fld>
             <a:endParaRPr lang="es-CO"/>
           </a:p>
@@ -3894,895 +3924,9 @@
         <p:spPr/>
         <p:txBody>
           <a:bodyPr>
-            <a:normAutofit fontScale="40000" lnSpcReduction="20000"/>
+            <a:normAutofit/>
           </a:bodyPr>
           <a:lstStyle/>
-          <a:p>
-            <a:r>
-              <a:rPr lang="es-CO" sz="1800" b="0" i="0" dirty="0" err="1">
-                <a:effectLst/>
-                <a:latin typeface="Menlo"/>
-              </a:rPr>
-              <a:t>syms</a:t>
-            </a:r>
-            <a:r>
-              <a:rPr lang="es-CO" sz="1800" b="0" i="0" dirty="0">
-                <a:effectLst/>
-                <a:latin typeface="Menlo"/>
-              </a:rPr>
-              <a:t> </a:t>
-            </a:r>
-            <a:r>
-              <a:rPr lang="es-CO" sz="1800" b="0" i="0" dirty="0">
-                <a:solidFill>
-                  <a:srgbClr val="A709F5"/>
-                </a:solidFill>
-                <a:effectLst/>
-                <a:latin typeface="Menlo"/>
-              </a:rPr>
-              <a:t>z n</a:t>
-            </a:r>
-            <a:r>
-              <a:rPr lang="es-CO" sz="1800" b="0" i="0" dirty="0">
-                <a:effectLst/>
-                <a:latin typeface="Menlo"/>
-              </a:rPr>
-              <a:t>;</a:t>
-            </a:r>
-          </a:p>
-          <a:p>
-            <a:r>
-              <a:rPr lang="es-CO" sz="1800" b="0" i="0" dirty="0" err="1">
-                <a:effectLst/>
-                <a:latin typeface="Menlo"/>
-              </a:rPr>
-              <a:t>G_z</a:t>
-            </a:r>
-            <a:r>
-              <a:rPr lang="es-CO" sz="1800" b="0" i="0" dirty="0">
-                <a:effectLst/>
-                <a:latin typeface="Menlo"/>
-              </a:rPr>
-              <a:t> = / (z -);</a:t>
-            </a:r>
-          </a:p>
-          <a:p>
-            <a:r>
-              <a:rPr lang="es-CO" sz="1800" b="0" i="0" dirty="0">
-                <a:solidFill>
-                  <a:srgbClr val="008013"/>
-                </a:solidFill>
-                <a:effectLst/>
-                <a:latin typeface="Menlo"/>
-              </a:rPr>
-              <a:t>% Respuesta al escalón</a:t>
-            </a:r>
-            <a:endParaRPr lang="es-CO" sz="1800" b="0" i="0" dirty="0">
-              <a:effectLst/>
-              <a:latin typeface="Menlo"/>
-            </a:endParaRPr>
-          </a:p>
-          <a:p>
-            <a:r>
-              <a:rPr lang="es-CO" sz="1800" b="0" i="0" dirty="0" err="1">
-                <a:effectLst/>
-                <a:latin typeface="Menlo"/>
-              </a:rPr>
-              <a:t>respuesta_escalon</a:t>
-            </a:r>
-            <a:r>
-              <a:rPr lang="es-CO" sz="1800" b="0" i="0" dirty="0">
-                <a:effectLst/>
-                <a:latin typeface="Menlo"/>
-              </a:rPr>
-              <a:t> = </a:t>
-            </a:r>
-            <a:r>
-              <a:rPr lang="es-CO" sz="1800" b="0" i="0" dirty="0" err="1">
-                <a:effectLst/>
-                <a:latin typeface="Menlo"/>
-              </a:rPr>
-              <a:t>iztrans</a:t>
-            </a:r>
-            <a:r>
-              <a:rPr lang="es-CO" sz="1800" b="0" i="0" dirty="0">
-                <a:effectLst/>
-                <a:latin typeface="Menlo"/>
-              </a:rPr>
-              <a:t>(</a:t>
-            </a:r>
-            <a:r>
-              <a:rPr lang="es-CO" sz="1800" b="0" i="0" dirty="0" err="1">
-                <a:effectLst/>
-                <a:latin typeface="Menlo"/>
-              </a:rPr>
-              <a:t>G_z</a:t>
-            </a:r>
-            <a:r>
-              <a:rPr lang="es-CO" sz="1800" b="0" i="0" dirty="0">
-                <a:effectLst/>
-                <a:latin typeface="Menlo"/>
-              </a:rPr>
-              <a:t> / (z - 1), z, n);</a:t>
-            </a:r>
-          </a:p>
-          <a:p>
-            <a:r>
-              <a:rPr lang="es-CO" sz="1800" b="0" i="0" dirty="0" err="1">
-                <a:effectLst/>
-                <a:latin typeface="Menlo"/>
-              </a:rPr>
-              <a:t>n_values</a:t>
-            </a:r>
-            <a:r>
-              <a:rPr lang="es-CO" sz="1800" b="0" i="0" dirty="0">
-                <a:effectLst/>
-                <a:latin typeface="Menlo"/>
-              </a:rPr>
-              <a:t> = 0:20;</a:t>
-            </a:r>
-          </a:p>
-          <a:p>
-            <a:r>
-              <a:rPr lang="es-CO" sz="1800" b="0" i="0" dirty="0" err="1">
-                <a:effectLst/>
-                <a:latin typeface="Menlo"/>
-              </a:rPr>
-              <a:t>respuesta_escalon_values</a:t>
-            </a:r>
-            <a:r>
-              <a:rPr lang="es-CO" sz="1800" b="0" i="0" dirty="0">
-                <a:effectLst/>
-                <a:latin typeface="Menlo"/>
-              </a:rPr>
-              <a:t> = </a:t>
-            </a:r>
-            <a:r>
-              <a:rPr lang="es-CO" sz="1800" b="0" i="0" dirty="0" err="1">
-                <a:effectLst/>
-                <a:latin typeface="Menlo"/>
-              </a:rPr>
-              <a:t>subs</a:t>
-            </a:r>
-            <a:r>
-              <a:rPr lang="es-CO" sz="1800" b="0" i="0" dirty="0">
-                <a:effectLst/>
-                <a:latin typeface="Menlo"/>
-              </a:rPr>
-              <a:t>(</a:t>
-            </a:r>
-            <a:r>
-              <a:rPr lang="es-CO" sz="1800" b="0" i="0" dirty="0" err="1">
-                <a:effectLst/>
-                <a:latin typeface="Menlo"/>
-              </a:rPr>
-              <a:t>respuesta_escalon</a:t>
-            </a:r>
-            <a:r>
-              <a:rPr lang="es-CO" sz="1800" b="0" i="0" dirty="0">
-                <a:effectLst/>
-                <a:latin typeface="Menlo"/>
-              </a:rPr>
-              <a:t>, n, </a:t>
-            </a:r>
-            <a:r>
-              <a:rPr lang="es-CO" sz="1800" b="0" i="0" dirty="0" err="1">
-                <a:effectLst/>
-                <a:latin typeface="Menlo"/>
-              </a:rPr>
-              <a:t>n_values</a:t>
-            </a:r>
-            <a:r>
-              <a:rPr lang="es-CO" sz="1800" b="0" i="0" dirty="0">
-                <a:effectLst/>
-                <a:latin typeface="Menlo"/>
-              </a:rPr>
-              <a:t>);</a:t>
-            </a:r>
-          </a:p>
-          <a:p>
-            <a:r>
-              <a:rPr lang="es-CO" sz="1800" b="0" i="0" dirty="0">
-                <a:solidFill>
-                  <a:srgbClr val="008013"/>
-                </a:solidFill>
-                <a:effectLst/>
-                <a:latin typeface="Menlo"/>
-              </a:rPr>
-              <a:t>% Graficar la respuesta al escalón</a:t>
-            </a:r>
-            <a:endParaRPr lang="es-CO" sz="1800" b="0" i="0" dirty="0">
-              <a:effectLst/>
-              <a:latin typeface="Menlo"/>
-            </a:endParaRPr>
-          </a:p>
-          <a:p>
-            <a:r>
-              <a:rPr lang="es-CO" sz="1800" b="0" i="0" dirty="0" err="1">
-                <a:effectLst/>
-                <a:latin typeface="Menlo"/>
-              </a:rPr>
-              <a:t>stem</a:t>
-            </a:r>
-            <a:r>
-              <a:rPr lang="es-CO" sz="1800" b="0" i="0" dirty="0">
-                <a:effectLst/>
-                <a:latin typeface="Menlo"/>
-              </a:rPr>
-              <a:t>(</a:t>
-            </a:r>
-            <a:r>
-              <a:rPr lang="es-CO" sz="1800" b="0" i="0" dirty="0" err="1">
-                <a:effectLst/>
-                <a:latin typeface="Menlo"/>
-              </a:rPr>
-              <a:t>n_values</a:t>
-            </a:r>
-            <a:r>
-              <a:rPr lang="es-CO" sz="1800" b="0" i="0" dirty="0">
-                <a:effectLst/>
-                <a:latin typeface="Menlo"/>
-              </a:rPr>
-              <a:t>, </a:t>
-            </a:r>
-            <a:r>
-              <a:rPr lang="es-CO" sz="1800" b="0" i="0" dirty="0" err="1">
-                <a:effectLst/>
-                <a:latin typeface="Menlo"/>
-              </a:rPr>
-              <a:t>double</a:t>
-            </a:r>
-            <a:r>
-              <a:rPr lang="es-CO" sz="1800" b="0" i="0" dirty="0">
-                <a:effectLst/>
-                <a:latin typeface="Menlo"/>
-              </a:rPr>
-              <a:t>(</a:t>
-            </a:r>
-            <a:r>
-              <a:rPr lang="es-CO" sz="1800" b="0" i="0" dirty="0" err="1">
-                <a:effectLst/>
-                <a:latin typeface="Menlo"/>
-              </a:rPr>
-              <a:t>respuesta_escalon_values</a:t>
-            </a:r>
-            <a:r>
-              <a:rPr lang="es-CO" sz="1800" b="0" i="0" dirty="0">
-                <a:effectLst/>
-                <a:latin typeface="Menlo"/>
-              </a:rPr>
-              <a:t>), </a:t>
-            </a:r>
-            <a:r>
-              <a:rPr lang="es-CO" sz="1800" b="0" i="0" dirty="0">
-                <a:solidFill>
-                  <a:srgbClr val="A709F5"/>
-                </a:solidFill>
-                <a:effectLst/>
-                <a:latin typeface="Menlo"/>
-              </a:rPr>
-              <a:t>'</a:t>
-            </a:r>
-            <a:r>
-              <a:rPr lang="es-CO" sz="1800" b="0" i="0" dirty="0" err="1">
-                <a:solidFill>
-                  <a:srgbClr val="A709F5"/>
-                </a:solidFill>
-                <a:effectLst/>
-                <a:latin typeface="Menlo"/>
-              </a:rPr>
-              <a:t>filled</a:t>
-            </a:r>
-            <a:r>
-              <a:rPr lang="es-CO" sz="1800" b="0" i="0" dirty="0">
-                <a:solidFill>
-                  <a:srgbClr val="A709F5"/>
-                </a:solidFill>
-                <a:effectLst/>
-                <a:latin typeface="Menlo"/>
-              </a:rPr>
-              <a:t>'</a:t>
-            </a:r>
-            <a:r>
-              <a:rPr lang="es-CO" sz="1800" b="0" i="0" dirty="0">
-                <a:effectLst/>
-                <a:latin typeface="Menlo"/>
-              </a:rPr>
-              <a:t>);</a:t>
-            </a:r>
-          </a:p>
-          <a:p>
-            <a:r>
-              <a:rPr lang="es-CO" sz="1800" b="0" i="0" dirty="0" err="1">
-                <a:effectLst/>
-                <a:latin typeface="Menlo"/>
-              </a:rPr>
-              <a:t>xlabel</a:t>
-            </a:r>
-            <a:r>
-              <a:rPr lang="es-CO" sz="1800" b="0" i="0" dirty="0">
-                <a:effectLst/>
-                <a:latin typeface="Menlo"/>
-              </a:rPr>
-              <a:t>(</a:t>
-            </a:r>
-            <a:r>
-              <a:rPr lang="es-CO" sz="1800" b="0" i="0" dirty="0">
-                <a:solidFill>
-                  <a:srgbClr val="A709F5"/>
-                </a:solidFill>
-                <a:effectLst/>
-                <a:latin typeface="Menlo"/>
-              </a:rPr>
-              <a:t>'Tiempo discreto (n)'</a:t>
-            </a:r>
-            <a:r>
-              <a:rPr lang="es-CO" sz="1800" b="0" i="0" dirty="0">
-                <a:effectLst/>
-                <a:latin typeface="Menlo"/>
-              </a:rPr>
-              <a:t>);</a:t>
-            </a:r>
-          </a:p>
-          <a:p>
-            <a:r>
-              <a:rPr lang="es-CO" sz="1800" b="0" i="0" dirty="0" err="1">
-                <a:effectLst/>
-                <a:latin typeface="Menlo"/>
-              </a:rPr>
-              <a:t>ylabel</a:t>
-            </a:r>
-            <a:r>
-              <a:rPr lang="es-CO" sz="1800" b="0" i="0" dirty="0">
-                <a:effectLst/>
-                <a:latin typeface="Menlo"/>
-              </a:rPr>
-              <a:t>(</a:t>
-            </a:r>
-            <a:r>
-              <a:rPr lang="es-CO" sz="1800" b="0" i="0" dirty="0">
-                <a:solidFill>
-                  <a:srgbClr val="A709F5"/>
-                </a:solidFill>
-                <a:effectLst/>
-                <a:latin typeface="Menlo"/>
-              </a:rPr>
-              <a:t>'Respuesta al escalón'</a:t>
-            </a:r>
-            <a:r>
-              <a:rPr lang="es-CO" sz="1800" b="0" i="0" dirty="0">
-                <a:effectLst/>
-                <a:latin typeface="Menlo"/>
-              </a:rPr>
-              <a:t>);</a:t>
-            </a:r>
-          </a:p>
-          <a:p>
-            <a:r>
-              <a:rPr lang="es-CO" sz="1800" b="0" i="0" dirty="0" err="1">
-                <a:effectLst/>
-                <a:latin typeface="Menlo"/>
-              </a:rPr>
-              <a:t>title</a:t>
-            </a:r>
-            <a:r>
-              <a:rPr lang="es-CO" sz="1800" b="0" i="0" dirty="0">
-                <a:effectLst/>
-                <a:latin typeface="Menlo"/>
-              </a:rPr>
-              <a:t>(</a:t>
-            </a:r>
-            <a:r>
-              <a:rPr lang="es-CO" sz="1800" b="0" i="0" dirty="0">
-                <a:solidFill>
-                  <a:srgbClr val="A709F5"/>
-                </a:solidFill>
-                <a:effectLst/>
-                <a:latin typeface="Menlo"/>
-              </a:rPr>
-              <a:t>'Respuesta al Escalón en un Sistema de Primer Orden en Tiempo Discreto'</a:t>
-            </a:r>
-            <a:r>
-              <a:rPr lang="es-CO" sz="1800" b="0" i="0" dirty="0">
-                <a:effectLst/>
-                <a:latin typeface="Menlo"/>
-              </a:rPr>
-              <a:t>);</a:t>
-            </a:r>
-          </a:p>
-          <a:p>
-            <a:r>
-              <a:rPr lang="es-CO" sz="1800" b="0" i="0" dirty="0" err="1">
-                <a:effectLst/>
-                <a:latin typeface="Menlo"/>
-              </a:rPr>
-              <a:t>grid</a:t>
-            </a:r>
-            <a:r>
-              <a:rPr lang="es-CO" sz="1800" b="0" i="0" dirty="0">
-                <a:effectLst/>
-                <a:latin typeface="Menlo"/>
-              </a:rPr>
-              <a:t> </a:t>
-            </a:r>
-            <a:r>
-              <a:rPr lang="es-CO" sz="1800" b="0" i="0" dirty="0" err="1">
-                <a:solidFill>
-                  <a:srgbClr val="A709F5"/>
-                </a:solidFill>
-                <a:effectLst/>
-                <a:latin typeface="Menlo"/>
-              </a:rPr>
-              <a:t>on</a:t>
-            </a:r>
-            <a:r>
-              <a:rPr lang="es-CO" sz="1800" b="0" i="0" dirty="0">
-                <a:effectLst/>
-                <a:latin typeface="Menlo"/>
-              </a:rPr>
-              <a:t>;</a:t>
-            </a:r>
-          </a:p>
-          <a:p>
-            <a:r>
-              <a:rPr lang="es-CO" sz="1800" b="0" i="0" dirty="0">
-                <a:solidFill>
-                  <a:srgbClr val="008013"/>
-                </a:solidFill>
-                <a:effectLst/>
-                <a:latin typeface="Menlo"/>
-              </a:rPr>
-              <a:t>%%</a:t>
-            </a:r>
-            <a:endParaRPr lang="es-CO" sz="1800" b="0" i="0" dirty="0">
-              <a:effectLst/>
-              <a:latin typeface="Menlo"/>
-            </a:endParaRPr>
-          </a:p>
-          <a:p>
-            <a:r>
-              <a:rPr lang="es-CO" sz="1800" b="0" i="0" dirty="0" err="1">
-                <a:effectLst/>
-                <a:latin typeface="Menlo"/>
-              </a:rPr>
-              <a:t>syms</a:t>
-            </a:r>
-            <a:r>
-              <a:rPr lang="es-CO" sz="1800" b="0" i="0" dirty="0">
-                <a:effectLst/>
-                <a:latin typeface="Menlo"/>
-              </a:rPr>
-              <a:t> </a:t>
-            </a:r>
-            <a:r>
-              <a:rPr lang="es-CO" sz="1800" b="0" i="0" dirty="0">
-                <a:solidFill>
-                  <a:srgbClr val="A709F5"/>
-                </a:solidFill>
-                <a:effectLst/>
-                <a:latin typeface="Menlo"/>
-              </a:rPr>
-              <a:t>z n</a:t>
-            </a:r>
-            <a:r>
-              <a:rPr lang="es-CO" sz="1800" b="0" i="0" dirty="0">
-                <a:effectLst/>
-                <a:latin typeface="Menlo"/>
-              </a:rPr>
-              <a:t>;</a:t>
-            </a:r>
-          </a:p>
-          <a:p>
-            <a:r>
-              <a:rPr lang="es-CO" sz="1800" b="0" i="0" dirty="0">
-                <a:effectLst/>
-                <a:latin typeface="Menlo"/>
-              </a:rPr>
-              <a:t>a=;</a:t>
-            </a:r>
-          </a:p>
-          <a:p>
-            <a:r>
-              <a:rPr lang="es-CO" sz="1800" b="0" i="0" dirty="0">
-                <a:effectLst/>
-                <a:latin typeface="Menlo"/>
-              </a:rPr>
-              <a:t>b=;</a:t>
-            </a:r>
-          </a:p>
-          <a:p>
-            <a:r>
-              <a:rPr lang="es-CO" sz="1800" b="0" i="0" dirty="0" err="1">
-                <a:effectLst/>
-                <a:latin typeface="Menlo"/>
-              </a:rPr>
-              <a:t>G_z</a:t>
-            </a:r>
-            <a:r>
-              <a:rPr lang="es-CO" sz="1800" b="0" i="0" dirty="0">
-                <a:effectLst/>
-                <a:latin typeface="Menlo"/>
-              </a:rPr>
-              <a:t> = a / (z - b);</a:t>
-            </a:r>
-          </a:p>
-          <a:p>
-            <a:r>
-              <a:rPr lang="es-CO" sz="1800" b="0" i="0" dirty="0">
-                <a:solidFill>
-                  <a:srgbClr val="008013"/>
-                </a:solidFill>
-                <a:effectLst/>
-                <a:latin typeface="Menlo"/>
-              </a:rPr>
-              <a:t>% Respuesta al escalón</a:t>
-            </a:r>
-            <a:endParaRPr lang="es-CO" sz="1800" b="0" i="0" dirty="0">
-              <a:effectLst/>
-              <a:latin typeface="Menlo"/>
-            </a:endParaRPr>
-          </a:p>
-          <a:p>
-            <a:r>
-              <a:rPr lang="es-CO" sz="1800" b="0" i="0" dirty="0" err="1">
-                <a:effectLst/>
-                <a:latin typeface="Menlo"/>
-              </a:rPr>
-              <a:t>respuesta_escalon</a:t>
-            </a:r>
-            <a:r>
-              <a:rPr lang="es-CO" sz="1800" b="0" i="0" dirty="0">
-                <a:effectLst/>
-                <a:latin typeface="Menlo"/>
-              </a:rPr>
-              <a:t> = </a:t>
-            </a:r>
-            <a:r>
-              <a:rPr lang="es-CO" sz="1800" b="0" i="0" dirty="0" err="1">
-                <a:effectLst/>
-                <a:latin typeface="Menlo"/>
-              </a:rPr>
-              <a:t>iztrans</a:t>
-            </a:r>
-            <a:r>
-              <a:rPr lang="es-CO" sz="1800" b="0" i="0" dirty="0">
-                <a:effectLst/>
-                <a:latin typeface="Menlo"/>
-              </a:rPr>
-              <a:t>(</a:t>
-            </a:r>
-            <a:r>
-              <a:rPr lang="es-CO" sz="1800" b="0" i="0" dirty="0" err="1">
-                <a:effectLst/>
-                <a:latin typeface="Menlo"/>
-              </a:rPr>
-              <a:t>G_z</a:t>
-            </a:r>
-            <a:r>
-              <a:rPr lang="es-CO" sz="1800" b="0" i="0" dirty="0">
-                <a:effectLst/>
-                <a:latin typeface="Menlo"/>
-              </a:rPr>
-              <a:t> / (z - 1), z, n);</a:t>
-            </a:r>
-          </a:p>
-          <a:p>
-            <a:r>
-              <a:rPr lang="es-CO" sz="1800" b="0" i="0" dirty="0" err="1">
-                <a:effectLst/>
-                <a:latin typeface="Menlo"/>
-              </a:rPr>
-              <a:t>n_values</a:t>
-            </a:r>
-            <a:r>
-              <a:rPr lang="es-CO" sz="1800" b="0" i="0" dirty="0">
-                <a:effectLst/>
-                <a:latin typeface="Menlo"/>
-              </a:rPr>
-              <a:t> = 0:20;</a:t>
-            </a:r>
-          </a:p>
-          <a:p>
-            <a:r>
-              <a:rPr lang="es-CO" sz="1800" b="0" i="0" dirty="0" err="1">
-                <a:effectLst/>
-                <a:latin typeface="Menlo"/>
-              </a:rPr>
-              <a:t>respuesta_escalon_values</a:t>
-            </a:r>
-            <a:r>
-              <a:rPr lang="es-CO" sz="1800" b="0" i="0" dirty="0">
-                <a:effectLst/>
-                <a:latin typeface="Menlo"/>
-              </a:rPr>
-              <a:t> = </a:t>
-            </a:r>
-            <a:r>
-              <a:rPr lang="es-CO" sz="1800" b="0" i="0" dirty="0" err="1">
-                <a:effectLst/>
-                <a:latin typeface="Menlo"/>
-              </a:rPr>
-              <a:t>subs</a:t>
-            </a:r>
-            <a:r>
-              <a:rPr lang="es-CO" sz="1800" b="0" i="0" dirty="0">
-                <a:effectLst/>
-                <a:latin typeface="Menlo"/>
-              </a:rPr>
-              <a:t>(</a:t>
-            </a:r>
-            <a:r>
-              <a:rPr lang="es-CO" sz="1800" b="0" i="0" dirty="0" err="1">
-                <a:effectLst/>
-                <a:latin typeface="Menlo"/>
-              </a:rPr>
-              <a:t>respuesta_escalon</a:t>
-            </a:r>
-            <a:r>
-              <a:rPr lang="es-CO" sz="1800" b="0" i="0" dirty="0">
-                <a:effectLst/>
-                <a:latin typeface="Menlo"/>
-              </a:rPr>
-              <a:t>, n, </a:t>
-            </a:r>
-            <a:r>
-              <a:rPr lang="es-CO" sz="1800" b="0" i="0" dirty="0" err="1">
-                <a:effectLst/>
-                <a:latin typeface="Menlo"/>
-              </a:rPr>
-              <a:t>n_values</a:t>
-            </a:r>
-            <a:r>
-              <a:rPr lang="es-CO" sz="1800" b="0" i="0" dirty="0">
-                <a:effectLst/>
-                <a:latin typeface="Menlo"/>
-              </a:rPr>
-              <a:t>);</a:t>
-            </a:r>
-          </a:p>
-          <a:p>
-            <a:r>
-              <a:rPr lang="es-CO" sz="1800" b="0" i="0" dirty="0">
-                <a:solidFill>
-                  <a:srgbClr val="008013"/>
-                </a:solidFill>
-                <a:effectLst/>
-                <a:latin typeface="Menlo"/>
-              </a:rPr>
-              <a:t>% Graficar la respuesta al escalón</a:t>
-            </a:r>
-            <a:endParaRPr lang="es-CO" sz="1800" b="0" i="0" dirty="0">
-              <a:effectLst/>
-              <a:latin typeface="Menlo"/>
-            </a:endParaRPr>
-          </a:p>
-          <a:p>
-            <a:r>
-              <a:rPr lang="es-CO" sz="1800" b="0" i="0" dirty="0" err="1">
-                <a:effectLst/>
-                <a:latin typeface="Menlo"/>
-              </a:rPr>
-              <a:t>stem</a:t>
-            </a:r>
-            <a:r>
-              <a:rPr lang="es-CO" sz="1800" b="0" i="0" dirty="0">
-                <a:effectLst/>
-                <a:latin typeface="Menlo"/>
-              </a:rPr>
-              <a:t>(</a:t>
-            </a:r>
-            <a:r>
-              <a:rPr lang="es-CO" sz="1800" b="0" i="0" dirty="0" err="1">
-                <a:effectLst/>
-                <a:latin typeface="Menlo"/>
-              </a:rPr>
-              <a:t>n_values</a:t>
-            </a:r>
-            <a:r>
-              <a:rPr lang="es-CO" sz="1800" b="0" i="0" dirty="0">
-                <a:effectLst/>
-                <a:latin typeface="Menlo"/>
-              </a:rPr>
-              <a:t>, </a:t>
-            </a:r>
-            <a:r>
-              <a:rPr lang="es-CO" sz="1800" b="0" i="0" dirty="0" err="1">
-                <a:effectLst/>
-                <a:latin typeface="Menlo"/>
-              </a:rPr>
-              <a:t>double</a:t>
-            </a:r>
-            <a:r>
-              <a:rPr lang="es-CO" sz="1800" b="0" i="0" dirty="0">
-                <a:effectLst/>
-                <a:latin typeface="Menlo"/>
-              </a:rPr>
-              <a:t>(</a:t>
-            </a:r>
-            <a:r>
-              <a:rPr lang="es-CO" sz="1800" b="0" i="0" dirty="0" err="1">
-                <a:effectLst/>
-                <a:latin typeface="Menlo"/>
-              </a:rPr>
-              <a:t>respuesta_escalon_values</a:t>
-            </a:r>
-            <a:r>
-              <a:rPr lang="es-CO" sz="1800" b="0" i="0" dirty="0">
-                <a:effectLst/>
-                <a:latin typeface="Menlo"/>
-              </a:rPr>
-              <a:t>), </a:t>
-            </a:r>
-            <a:r>
-              <a:rPr lang="es-CO" sz="1800" b="0" i="0" dirty="0">
-                <a:solidFill>
-                  <a:srgbClr val="A709F5"/>
-                </a:solidFill>
-                <a:effectLst/>
-                <a:latin typeface="Menlo"/>
-              </a:rPr>
-              <a:t>'</a:t>
-            </a:r>
-            <a:r>
-              <a:rPr lang="es-CO" sz="1800" b="0" i="0" dirty="0" err="1">
-                <a:solidFill>
-                  <a:srgbClr val="A709F5"/>
-                </a:solidFill>
-                <a:effectLst/>
-                <a:latin typeface="Menlo"/>
-              </a:rPr>
-              <a:t>filled</a:t>
-            </a:r>
-            <a:r>
-              <a:rPr lang="es-CO" sz="1800" b="0" i="0" dirty="0">
-                <a:solidFill>
-                  <a:srgbClr val="A709F5"/>
-                </a:solidFill>
-                <a:effectLst/>
-                <a:latin typeface="Menlo"/>
-              </a:rPr>
-              <a:t>'</a:t>
-            </a:r>
-            <a:r>
-              <a:rPr lang="es-CO" sz="1800" b="0" i="0" dirty="0">
-                <a:effectLst/>
-                <a:latin typeface="Menlo"/>
-              </a:rPr>
-              <a:t>);</a:t>
-            </a:r>
-          </a:p>
-          <a:p>
-            <a:r>
-              <a:rPr lang="es-CO" sz="1800" b="0" i="0" dirty="0" err="1">
-                <a:effectLst/>
-                <a:latin typeface="Menlo"/>
-              </a:rPr>
-              <a:t>xlabel</a:t>
-            </a:r>
-            <a:r>
-              <a:rPr lang="es-CO" sz="1800" b="0" i="0" dirty="0">
-                <a:effectLst/>
-                <a:latin typeface="Menlo"/>
-              </a:rPr>
-              <a:t>(</a:t>
-            </a:r>
-            <a:r>
-              <a:rPr lang="es-CO" sz="1800" b="0" i="0" dirty="0">
-                <a:solidFill>
-                  <a:srgbClr val="A709F5"/>
-                </a:solidFill>
-                <a:effectLst/>
-                <a:latin typeface="Menlo"/>
-              </a:rPr>
-              <a:t>'Tiempo discreto (n)'</a:t>
-            </a:r>
-            <a:r>
-              <a:rPr lang="es-CO" sz="1800" b="0" i="0" dirty="0">
-                <a:effectLst/>
-                <a:latin typeface="Menlo"/>
-              </a:rPr>
-              <a:t>);</a:t>
-            </a:r>
-          </a:p>
-          <a:p>
-            <a:r>
-              <a:rPr lang="es-CO" sz="1800" b="0" i="0" dirty="0" err="1">
-                <a:effectLst/>
-                <a:latin typeface="Menlo"/>
-              </a:rPr>
-              <a:t>ylabel</a:t>
-            </a:r>
-            <a:r>
-              <a:rPr lang="es-CO" sz="1800" b="0" i="0" dirty="0">
-                <a:effectLst/>
-                <a:latin typeface="Menlo"/>
-              </a:rPr>
-              <a:t>(</a:t>
-            </a:r>
-            <a:r>
-              <a:rPr lang="es-CO" sz="1800" b="0" i="0" dirty="0">
-                <a:solidFill>
-                  <a:srgbClr val="A709F5"/>
-                </a:solidFill>
-                <a:effectLst/>
-                <a:latin typeface="Menlo"/>
-              </a:rPr>
-              <a:t>'Respuesta al escalón'</a:t>
-            </a:r>
-            <a:r>
-              <a:rPr lang="es-CO" sz="1800" b="0" i="0" dirty="0">
-                <a:effectLst/>
-                <a:latin typeface="Menlo"/>
-              </a:rPr>
-              <a:t>);</a:t>
-            </a:r>
-          </a:p>
-          <a:p>
-            <a:r>
-              <a:rPr lang="es-CO" sz="1800" b="0" i="0" dirty="0" err="1">
-                <a:effectLst/>
-                <a:latin typeface="Menlo"/>
-              </a:rPr>
-              <a:t>title</a:t>
-            </a:r>
-            <a:r>
-              <a:rPr lang="es-CO" sz="1800" b="0" i="0" dirty="0">
-                <a:effectLst/>
-                <a:latin typeface="Menlo"/>
-              </a:rPr>
-              <a:t>(</a:t>
-            </a:r>
-            <a:r>
-              <a:rPr lang="es-CO" sz="1800" b="0" i="0" dirty="0">
-                <a:solidFill>
-                  <a:srgbClr val="A709F5"/>
-                </a:solidFill>
-                <a:effectLst/>
-                <a:latin typeface="Menlo"/>
-              </a:rPr>
-              <a:t>'Respuesta al Escalón en un Sistema de Primer Orden en Tiempo Discreto'</a:t>
-            </a:r>
-            <a:r>
-              <a:rPr lang="es-CO" sz="1800" b="0" i="0" dirty="0">
-                <a:effectLst/>
-                <a:latin typeface="Menlo"/>
-              </a:rPr>
-              <a:t>);</a:t>
-            </a:r>
-          </a:p>
-          <a:p>
-            <a:r>
-              <a:rPr lang="es-CO" sz="1800" b="0" i="0" dirty="0" err="1">
-                <a:effectLst/>
-                <a:latin typeface="Menlo"/>
-              </a:rPr>
-              <a:t>grid</a:t>
-            </a:r>
-            <a:r>
-              <a:rPr lang="es-CO" sz="1800" b="0" i="0" dirty="0">
-                <a:effectLst/>
-                <a:latin typeface="Menlo"/>
-              </a:rPr>
-              <a:t> </a:t>
-            </a:r>
-            <a:r>
-              <a:rPr lang="es-CO" sz="1800" b="0" i="0" dirty="0" err="1">
-                <a:solidFill>
-                  <a:srgbClr val="A709F5"/>
-                </a:solidFill>
-                <a:effectLst/>
-                <a:latin typeface="Menlo"/>
-              </a:rPr>
-              <a:t>on</a:t>
-            </a:r>
-            <a:r>
-              <a:rPr lang="es-CO" sz="1800" b="0" i="0" dirty="0">
-                <a:effectLst/>
-                <a:latin typeface="Menlo"/>
-              </a:rPr>
-              <a:t>;</a:t>
-            </a:r>
-          </a:p>
           <a:p>
             <a:br>
               <a:rPr lang="es-CO" sz="1800" b="0" i="0" dirty="0">
@@ -5083,7 +4227,7 @@
           <a:p>
             <a:fld id="{9CF7635E-2D71-42E7-9E6C-FBB85A15A85F}" type="datetimeFigureOut">
               <a:rPr lang="es-CO" smtClean="0"/>
-              <a:t>13/01/2025</a:t>
+              <a:t>1/04/2025</a:t>
             </a:fld>
             <a:endParaRPr lang="es-CO"/>
           </a:p>
@@ -5349,7 +4493,7 @@
           <a:p>
             <a:fld id="{9CF7635E-2D71-42E7-9E6C-FBB85A15A85F}" type="datetimeFigureOut">
               <a:rPr lang="es-CO" smtClean="0"/>
-              <a:t>13/01/2025</a:t>
+              <a:t>1/04/2025</a:t>
             </a:fld>
             <a:endParaRPr lang="es-CO"/>
           </a:p>
@@ -5565,7 +4709,7 @@
           <a:p>
             <a:fld id="{9CF7635E-2D71-42E7-9E6C-FBB85A15A85F}" type="datetimeFigureOut">
               <a:rPr lang="es-CO" smtClean="0"/>
-              <a:t>13/01/2025</a:t>
+              <a:t>1/04/2025</a:t>
             </a:fld>
             <a:endParaRPr lang="es-CO"/>
           </a:p>
@@ -7194,7 +6338,7 @@
           <a:p>
             <a:fld id="{9CF7635E-2D71-42E7-9E6C-FBB85A15A85F}" type="datetimeFigureOut">
               <a:rPr lang="es-CO" smtClean="0"/>
-              <a:t>13/01/2025</a:t>
+              <a:t>1/04/2025</a:t>
             </a:fld>
             <a:endParaRPr lang="es-CO"/>
           </a:p>
@@ -7641,7 +6785,7 @@
           <a:p>
             <a:fld id="{9CF7635E-2D71-42E7-9E6C-FBB85A15A85F}" type="datetimeFigureOut">
               <a:rPr lang="es-CO" smtClean="0"/>
-              <a:t>13/01/2025</a:t>
+              <a:t>1/04/2025</a:t>
             </a:fld>
             <a:endParaRPr lang="es-CO"/>
           </a:p>
@@ -7915,7 +7059,7 @@
           <a:p>
             <a:fld id="{9CF7635E-2D71-42E7-9E6C-FBB85A15A85F}" type="datetimeFigureOut">
               <a:rPr lang="es-CO" smtClean="0"/>
-              <a:t>13/01/2025</a:t>
+              <a:t>1/04/2025</a:t>
             </a:fld>
             <a:endParaRPr lang="es-CO"/>
           </a:p>
@@ -8336,7 +7480,7 @@
           <a:p>
             <a:fld id="{9CF7635E-2D71-42E7-9E6C-FBB85A15A85F}" type="datetimeFigureOut">
               <a:rPr lang="es-CO" smtClean="0"/>
-              <a:t>13/01/2025</a:t>
+              <a:t>1/04/2025</a:t>
             </a:fld>
             <a:endParaRPr lang="es-CO"/>
           </a:p>
@@ -8484,7 +7628,7 @@
           <a:p>
             <a:fld id="{9CF7635E-2D71-42E7-9E6C-FBB85A15A85F}" type="datetimeFigureOut">
               <a:rPr lang="es-CO" smtClean="0"/>
-              <a:t>13/01/2025</a:t>
+              <a:t>1/04/2025</a:t>
             </a:fld>
             <a:endParaRPr lang="es-CO"/>
           </a:p>
@@ -8603,7 +7747,7 @@
           <a:p>
             <a:fld id="{9CF7635E-2D71-42E7-9E6C-FBB85A15A85F}" type="datetimeFigureOut">
               <a:rPr lang="es-CO" smtClean="0"/>
-              <a:t>13/01/2025</a:t>
+              <a:t>1/04/2025</a:t>
             </a:fld>
             <a:endParaRPr lang="es-CO"/>
           </a:p>
@@ -8922,7 +8066,7 @@
           <a:p>
             <a:fld id="{9CF7635E-2D71-42E7-9E6C-FBB85A15A85F}" type="datetimeFigureOut">
               <a:rPr lang="es-CO" smtClean="0"/>
-              <a:t>13/01/2025</a:t>
+              <a:t>1/04/2025</a:t>
             </a:fld>
             <a:endParaRPr lang="es-CO"/>
           </a:p>
@@ -9217,7 +8361,7 @@
           <a:p>
             <a:fld id="{9CF7635E-2D71-42E7-9E6C-FBB85A15A85F}" type="datetimeFigureOut">
               <a:rPr lang="es-CO" smtClean="0"/>
-              <a:t>13/01/2025</a:t>
+              <a:t>1/04/2025</a:t>
             </a:fld>
             <a:endParaRPr lang="es-CO"/>
           </a:p>
@@ -9466,7 +8610,7 @@
           <a:p>
             <a:fld id="{9CF7635E-2D71-42E7-9E6C-FBB85A15A85F}" type="datetimeFigureOut">
               <a:rPr lang="es-CO" smtClean="0"/>
-              <a:t>13/01/2025</a:t>
+              <a:t>1/04/2025</a:t>
             </a:fld>
             <a:endParaRPr lang="es-CO"/>
           </a:p>
@@ -11498,8 +10642,8 @@
           </p:sp>
         </mc:Fallback>
       </mc:AlternateContent>
-      <mc:AlternateContent xmlns:mc="http://schemas.openxmlformats.org/markup-compatibility/2006" xmlns:a14="http://schemas.microsoft.com/office/drawing/2010/main">
-        <mc:Choice Requires="a14">
+      <mc:AlternateContent xmlns:mc="http://schemas.openxmlformats.org/markup-compatibility/2006">
+        <mc:Choice xmlns:a14="http://schemas.microsoft.com/office/drawing/2010/main" Requires="a14">
           <p:sp>
             <p:nvSpPr>
               <p:cNvPr id="4" name="CuadroTexto 3">
@@ -11515,7 +10659,7 @@
             <p:spPr>
               <a:xfrm>
                 <a:off x="5905437" y="5896111"/>
-                <a:ext cx="1743490" cy="683072"/>
+                <a:ext cx="1610121" cy="683072"/>
               </a:xfrm>
               <a:prstGeom prst="rect">
                 <a:avLst/>
@@ -11535,6 +10679,18 @@
                       <m:jc m:val="centerGroup"/>
                     </m:oMathParaPr>
                     <m:oMath xmlns:m="http://schemas.openxmlformats.org/officeDocument/2006/math">
+                      <m:r>
+                        <a:rPr lang="es-CO" b="0" i="1" smtClean="0">
+                          <a:latin typeface="Cambria Math" panose="02040503050406030204" pitchFamily="18" charset="0"/>
+                        </a:rPr>
+                        <m:t>𝑏</m:t>
+                      </m:r>
+                      <m:r>
+                        <a:rPr lang="es-CO" b="0" i="1" smtClean="0">
+                          <a:latin typeface="Cambria Math" panose="02040503050406030204" pitchFamily="18" charset="0"/>
+                        </a:rPr>
+                        <m:t>=</m:t>
+                      </m:r>
                       <m:f>
                         <m:fPr>
                           <m:ctrlPr>
@@ -11553,24 +10709,6 @@
                               </m:ctrlPr>
                             </m:sSupPr>
                             <m:e>
-                              <m:r>
-                                <a:rPr lang="es-ES" b="0" i="1" smtClean="0">
-                                  <a:latin typeface="Cambria Math" panose="02040503050406030204" pitchFamily="18" charset="0"/>
-                                </a:rPr>
-                                <m:t>𝑏</m:t>
-                              </m:r>
-                              <m:r>
-                                <a:rPr lang="es-ES" b="0" i="1" smtClean="0">
-                                  <a:latin typeface="Cambria Math" panose="02040503050406030204" pitchFamily="18" charset="0"/>
-                                </a:rPr>
-                                <m:t>=</m:t>
-                              </m:r>
-                              <m:r>
-                                <a:rPr lang="es-ES" b="0" i="1" smtClean="0">
-                                  <a:latin typeface="Cambria Math" panose="02040503050406030204" pitchFamily="18" charset="0"/>
-                                </a:rPr>
-                                <m:t>𝑘</m:t>
-                              </m:r>
                               <m:r>
                                 <a:rPr lang="es-ES" b="0" i="1" smtClean="0">
                                   <a:latin typeface="Cambria Math" panose="02040503050406030204" pitchFamily="18" charset="0"/>
@@ -11648,7 +10786,7 @@
             </p:txBody>
           </p:sp>
         </mc:Choice>
-        <mc:Fallback xmlns="">
+        <mc:Fallback>
           <p:sp>
             <p:nvSpPr>
               <p:cNvPr id="4" name="CuadroTexto 3">
@@ -11666,7 +10804,7 @@
             <p:spPr>
               <a:xfrm>
                 <a:off x="5905437" y="5896111"/>
-                <a:ext cx="1743490" cy="683072"/>
+                <a:ext cx="1610121" cy="683072"/>
               </a:xfrm>
               <a:prstGeom prst="rect">
                 <a:avLst/>
@@ -11683,7 +10821,7 @@
               <a:lstStyle/>
               <a:p>
                 <a:r>
-                  <a:rPr lang="en-US">
+                  <a:rPr lang="es-CO">
                     <a:noFill/>
                   </a:rPr>
                   <a:t> </a:t>
@@ -12900,7 +12038,7 @@
           <a:p>
             <a:r>
               <a:rPr lang="es-CO" dirty="0"/>
-              <a:t>Para el ejercicio de primer orden RC encuentre la función de transferencia en s  y z,  encuentre la respuesta a la rampa  (</a:t>
+              <a:t>Para el ejercicio de primer orden RC encuentre la función de transferencia en s y z,  encuentre la respuesta a la rampa  (</a:t>
             </a:r>
             <a:r>
               <a:rPr lang="es-CO" dirty="0" err="1"/>
@@ -23030,12 +22168,11 @@
 </file>
 
 <file path=customXml/item1.xml><?xml version="1.0" encoding="utf-8"?>
-<?mso-contentType ?>
-<FormTemplates xmlns="http://schemas.microsoft.com/sharepoint/v3/contenttype/forms">
-  <Display>DocumentLibraryForm</Display>
-  <Edit>DocumentLibraryForm</Edit>
-  <New>DocumentLibraryForm</New>
-</FormTemplates>
+<p:properties xmlns:p="http://schemas.microsoft.com/office/2006/metadata/properties" xmlns:xsi="http://www.w3.org/2001/XMLSchema-instance" xmlns:pc="http://schemas.microsoft.com/office/infopath/2007/PartnerControls">
+  <documentManagement>
+    <_activity xmlns="bdc56f61-abc0-4f7e-bfec-a93ccd1ae886" xsi:nil="true"/>
+  </documentManagement>
+</p:properties>
 </file>
 
 <file path=customXml/item2.xml><?xml version="1.0" encoding="utf-8"?>
@@ -23274,17 +22411,27 @@
 </file>
 
 <file path=customXml/item3.xml><?xml version="1.0" encoding="utf-8"?>
-<p:properties xmlns:p="http://schemas.microsoft.com/office/2006/metadata/properties" xmlns:xsi="http://www.w3.org/2001/XMLSchema-instance" xmlns:pc="http://schemas.microsoft.com/office/infopath/2007/PartnerControls">
-  <documentManagement>
-    <_activity xmlns="bdc56f61-abc0-4f7e-bfec-a93ccd1ae886" xsi:nil="true"/>
-  </documentManagement>
-</p:properties>
+<?mso-contentType ?>
+<FormTemplates xmlns="http://schemas.microsoft.com/sharepoint/v3/contenttype/forms">
+  <Display>DocumentLibraryForm</Display>
+  <Edit>DocumentLibraryForm</Edit>
+  <New>DocumentLibraryForm</New>
+</FormTemplates>
 </file>
 
 <file path=customXml/itemProps1.xml><?xml version="1.0" encoding="utf-8"?>
-<ds:datastoreItem xmlns:ds="http://schemas.openxmlformats.org/officeDocument/2006/customXml" ds:itemID="{4E8623C8-32E1-48B0-9F0A-13F2E9582B7E}">
+<ds:datastoreItem xmlns:ds="http://schemas.openxmlformats.org/officeDocument/2006/customXml" ds:itemID="{0825853C-1B27-4995-A583-4D39F900BB7F}">
   <ds:schemaRefs>
-    <ds:schemaRef ds:uri="http://schemas.microsoft.com/sharepoint/v3/contenttype/forms"/>
+    <ds:schemaRef ds:uri="669280c1-d17e-4d1d-bd7f-b4f14cc6bf1d"/>
+    <ds:schemaRef ds:uri="bdc56f61-abc0-4f7e-bfec-a93ccd1ae886"/>
+    <ds:schemaRef ds:uri="http://purl.org/dc/dcmitype/"/>
+    <ds:schemaRef ds:uri="http://purl.org/dc/elements/1.1/"/>
+    <ds:schemaRef ds:uri="http://purl.org/dc/terms/"/>
+    <ds:schemaRef ds:uri="http://schemas.microsoft.com/office/2006/documentManagement/types"/>
+    <ds:schemaRef ds:uri="http://schemas.microsoft.com/office/2006/metadata/properties"/>
+    <ds:schemaRef ds:uri="http://schemas.microsoft.com/office/infopath/2007/PartnerControls"/>
+    <ds:schemaRef ds:uri="http://schemas.openxmlformats.org/package/2006/metadata/core-properties"/>
+    <ds:schemaRef ds:uri="http://www.w3.org/XML/1998/namespace"/>
   </ds:schemaRefs>
 </ds:datastoreItem>
 </file>
@@ -23309,18 +22456,9 @@
 </file>
 
 <file path=customXml/itemProps3.xml><?xml version="1.0" encoding="utf-8"?>
-<ds:datastoreItem xmlns:ds="http://schemas.openxmlformats.org/officeDocument/2006/customXml" ds:itemID="{0825853C-1B27-4995-A583-4D39F900BB7F}">
+<ds:datastoreItem xmlns:ds="http://schemas.openxmlformats.org/officeDocument/2006/customXml" ds:itemID="{4E8623C8-32E1-48B0-9F0A-13F2E9582B7E}">
   <ds:schemaRefs>
-    <ds:schemaRef ds:uri="669280c1-d17e-4d1d-bd7f-b4f14cc6bf1d"/>
-    <ds:schemaRef ds:uri="bdc56f61-abc0-4f7e-bfec-a93ccd1ae886"/>
-    <ds:schemaRef ds:uri="http://purl.org/dc/dcmitype/"/>
-    <ds:schemaRef ds:uri="http://purl.org/dc/elements/1.1/"/>
-    <ds:schemaRef ds:uri="http://purl.org/dc/terms/"/>
-    <ds:schemaRef ds:uri="http://schemas.microsoft.com/office/2006/documentManagement/types"/>
-    <ds:schemaRef ds:uri="http://schemas.microsoft.com/office/2006/metadata/properties"/>
-    <ds:schemaRef ds:uri="http://schemas.microsoft.com/office/infopath/2007/PartnerControls"/>
-    <ds:schemaRef ds:uri="http://schemas.openxmlformats.org/package/2006/metadata/core-properties"/>
-    <ds:schemaRef ds:uri="http://www.w3.org/XML/1998/namespace"/>
+    <ds:schemaRef ds:uri="http://schemas.microsoft.com/sharepoint/v3/contenttype/forms"/>
   </ds:schemaRefs>
 </ds:datastoreItem>
 </file>